--- a/Assignment3.pptx
+++ b/Assignment3.pptx
@@ -269,7 +269,7 @@
           </a:bodyPr>
           <a:p>
             <a:pPr algn="r"/>
-            <a:fld id="{B02E5486-927D-4553-85BE-B5BB94A7AAFE}" type="slidenum">
+            <a:fld id="{095A1EDB-3777-4A29-9DBA-6B170A4762A0}" type="slidenum">
               <a:rPr b="0" lang="en-US" sz="1400" spc="-1" strike="noStrike">
                 <a:latin typeface="Times New Roman"/>
               </a:rPr>
@@ -306,7 +306,7 @@
       </p:grpSpPr>
       <p:sp>
         <p:nvSpPr>
-          <p:cNvPr id="191" name="PlaceHolder 1"/>
+          <p:cNvPr id="190" name="PlaceHolder 1"/>
           <p:cNvSpPr>
             <a:spLocks noGrp="1"/>
           </p:cNvSpPr>
@@ -317,7 +317,7 @@
         <p:spPr>
           <a:xfrm>
             <a:off x="993600" y="768240"/>
-            <a:ext cx="5115960" cy="3836160"/>
+            <a:ext cx="5115240" cy="3835440"/>
           </a:xfrm>
           <a:prstGeom prst="rect">
             <a:avLst/>
@@ -326,7 +326,7 @@
       </p:sp>
       <p:sp>
         <p:nvSpPr>
-          <p:cNvPr id="192" name="PlaceHolder 2"/>
+          <p:cNvPr id="191" name="PlaceHolder 2"/>
           <p:cNvSpPr>
             <a:spLocks noGrp="1"/>
           </p:cNvSpPr>
@@ -337,7 +337,7 @@
         <p:spPr>
           <a:xfrm>
             <a:off x="710280" y="4861440"/>
-            <a:ext cx="5682600" cy="4604760"/>
+            <a:ext cx="5681880" cy="4604040"/>
           </a:xfrm>
           <a:prstGeom prst="rect">
             <a:avLst/>
@@ -356,14 +356,14 @@
       </p:sp>
       <p:sp>
         <p:nvSpPr>
-          <p:cNvPr id="193" name="CustomShape 3"/>
+          <p:cNvPr id="192" name="CustomShape 3"/>
           <p:cNvSpPr/>
           <p:nvPr/>
         </p:nvSpPr>
         <p:spPr>
           <a:xfrm>
             <a:off x="4024080" y="9721080"/>
-            <a:ext cx="3077640" cy="510840"/>
+            <a:ext cx="3076920" cy="510120"/>
           </a:xfrm>
           <a:prstGeom prst="rect">
             <a:avLst/>
@@ -389,7 +389,7 @@
                 <a:spcPct val="100000"/>
               </a:lnSpc>
             </a:pPr>
-            <a:fld id="{6266594A-B420-46FD-84CF-2A890A699D17}" type="slidenum">
+            <a:fld id="{FB18ECFA-557D-4175-98A4-3182EB35A951}" type="slidenum">
               <a:rPr b="0" lang="en-US" sz="1200" spc="-1" strike="noStrike">
                 <a:solidFill>
                   <a:srgbClr val="000000"/>
@@ -429,7 +429,7 @@
       </p:grpSpPr>
       <p:sp>
         <p:nvSpPr>
-          <p:cNvPr id="194" name="PlaceHolder 1"/>
+          <p:cNvPr id="193" name="PlaceHolder 1"/>
           <p:cNvSpPr>
             <a:spLocks noGrp="1"/>
           </p:cNvSpPr>
@@ -440,7 +440,7 @@
         <p:spPr>
           <a:xfrm>
             <a:off x="993600" y="768240"/>
-            <a:ext cx="5115960" cy="3836160"/>
+            <a:ext cx="5115240" cy="3835440"/>
           </a:xfrm>
           <a:prstGeom prst="rect">
             <a:avLst/>
@@ -449,7 +449,7 @@
       </p:sp>
       <p:sp>
         <p:nvSpPr>
-          <p:cNvPr id="195" name="PlaceHolder 2"/>
+          <p:cNvPr id="194" name="PlaceHolder 2"/>
           <p:cNvSpPr>
             <a:spLocks noGrp="1"/>
           </p:cNvSpPr>
@@ -460,7 +460,7 @@
         <p:spPr>
           <a:xfrm>
             <a:off x="710280" y="4861440"/>
-            <a:ext cx="5682600" cy="4604760"/>
+            <a:ext cx="5681880" cy="4604040"/>
           </a:xfrm>
           <a:prstGeom prst="rect">
             <a:avLst/>
@@ -479,14 +479,14 @@
       </p:sp>
       <p:sp>
         <p:nvSpPr>
-          <p:cNvPr id="196" name="CustomShape 3"/>
+          <p:cNvPr id="195" name="CustomShape 3"/>
           <p:cNvSpPr/>
           <p:nvPr/>
         </p:nvSpPr>
         <p:spPr>
           <a:xfrm>
             <a:off x="4024080" y="9721080"/>
-            <a:ext cx="3077640" cy="510840"/>
+            <a:ext cx="3076920" cy="510120"/>
           </a:xfrm>
           <a:prstGeom prst="rect">
             <a:avLst/>
@@ -512,7 +512,7 @@
                 <a:spcPct val="100000"/>
               </a:lnSpc>
             </a:pPr>
-            <a:fld id="{14B140C1-D782-43A6-8DA5-D882602C7988}" type="slidenum">
+            <a:fld id="{9794A4B9-11A2-4947-A6A8-F1CB9F3DED7F}" type="slidenum">
               <a:rPr b="0" lang="en-US" sz="1200" spc="-1" strike="noStrike">
                 <a:solidFill>
                   <a:srgbClr val="000000"/>
@@ -3278,7 +3278,7 @@
         <p:spPr>
           <a:xfrm>
             <a:off x="1371600" y="4546800"/>
-            <a:ext cx="6400080" cy="1473840"/>
+            <a:ext cx="6399360" cy="1473120"/>
           </a:xfrm>
           <a:prstGeom prst="rect">
             <a:avLst/>
@@ -3938,7 +3938,7 @@
         <p:spPr>
           <a:xfrm>
             <a:off x="1371600" y="3357000"/>
-            <a:ext cx="6400080" cy="541080"/>
+            <a:ext cx="6399360" cy="540360"/>
           </a:xfrm>
           <a:prstGeom prst="rect">
             <a:avLst/>
@@ -3992,7 +3992,7 @@
         <p:spPr>
           <a:xfrm>
             <a:off x="144000" y="1989000"/>
-            <a:ext cx="8855280" cy="1295280"/>
+            <a:ext cx="8854560" cy="1294560"/>
           </a:xfrm>
           <a:prstGeom prst="rect">
             <a:avLst/>
@@ -4043,7 +4043,7 @@
         <p:spPr>
           <a:xfrm>
             <a:off x="0" y="6303960"/>
-            <a:ext cx="8999280" cy="546840"/>
+            <a:ext cx="8998560" cy="546480"/>
           </a:xfrm>
           <a:prstGeom prst="rect">
             <a:avLst/>
@@ -4124,7 +4124,7 @@
         <p:spPr>
           <a:xfrm>
             <a:off x="342000" y="980640"/>
-            <a:ext cx="8459280" cy="5111280"/>
+            <a:ext cx="8458560" cy="5110560"/>
           </a:xfrm>
           <a:prstGeom prst="rect">
             <a:avLst/>
@@ -4145,7 +4145,7 @@
             <a:noAutofit/>
           </a:bodyPr>
           <a:p>
-            <a:pPr marL="343080" indent="-342360">
+            <a:pPr marL="343080" indent="-341640">
               <a:lnSpc>
                 <a:spcPct val="120000"/>
               </a:lnSpc>
@@ -4216,7 +4216,7 @@
         <p:spPr>
           <a:xfrm>
             <a:off x="144000" y="0"/>
-            <a:ext cx="8855280" cy="683280"/>
+            <a:ext cx="8854560" cy="682560"/>
           </a:xfrm>
           <a:prstGeom prst="rect">
             <a:avLst/>
@@ -4271,7 +4271,7 @@
         <p:spPr>
           <a:xfrm>
             <a:off x="2123640" y="2450880"/>
-            <a:ext cx="4607640" cy="3668040"/>
+            <a:ext cx="4606920" cy="3667320"/>
           </a:xfrm>
           <a:prstGeom prst="rect">
             <a:avLst/>
@@ -4320,7 +4320,7 @@
         <p:spPr>
           <a:xfrm>
             <a:off x="342000" y="980640"/>
-            <a:ext cx="8459280" cy="5111280"/>
+            <a:ext cx="8458560" cy="5110560"/>
           </a:xfrm>
           <a:prstGeom prst="rect">
             <a:avLst/>
@@ -4346,7 +4346,7 @@
             <a:noAutofit/>
           </a:bodyPr>
           <a:p>
-            <a:pPr marL="343080" indent="-342360">
+            <a:pPr marL="343080" indent="-341640">
               <a:lnSpc>
                 <a:spcPct val="120000"/>
               </a:lnSpc>
@@ -4361,6 +4361,9 @@
             </a:pPr>
             <a:r>
               <a:rPr b="0" lang="en-US" sz="2200" spc="-1" strike="noStrike">
+                <a:solidFill>
+                  <a:srgbClr val="000000"/>
+                </a:solidFill>
                 <a:latin typeface="Candara"/>
                 <a:ea typeface="함초롬돋움"/>
               </a:rPr>
@@ -4381,7 +4384,7 @@
         <p:spPr>
           <a:xfrm>
             <a:off x="144000" y="0"/>
-            <a:ext cx="8855280" cy="683280"/>
+            <a:ext cx="8854560" cy="682560"/>
           </a:xfrm>
           <a:prstGeom prst="rect">
             <a:avLst/>
@@ -4432,9 +4435,9 @@
         <p:grpSpPr>
           <a:xfrm>
             <a:off x="664560" y="3789000"/>
-            <a:ext cx="7814160" cy="1932120"/>
+            <a:ext cx="7813440" cy="1931400"/>
             <a:chOff x="664560" y="3789000"/>
-            <a:chExt cx="7814160" cy="1932120"/>
+            <a:chExt cx="7813440" cy="1931400"/>
           </a:xfrm>
         </p:grpSpPr>
         <p:pic>
@@ -4450,7 +4453,7 @@
           <p:spPr>
             <a:xfrm>
               <a:off x="4812840" y="3789000"/>
-              <a:ext cx="3665880" cy="1932120"/>
+              <a:ext cx="3665160" cy="1931400"/>
             </a:xfrm>
             <a:prstGeom prst="rect">
               <a:avLst/>
@@ -4473,7 +4476,7 @@
           <p:spPr>
             <a:xfrm>
               <a:off x="664560" y="4171320"/>
-              <a:ext cx="3670200" cy="1167840"/>
+              <a:ext cx="3669480" cy="1167120"/>
             </a:xfrm>
             <a:prstGeom prst="rect">
               <a:avLst/>
@@ -4523,7 +4526,7 @@
         <p:spPr>
           <a:xfrm>
             <a:off x="144000" y="0"/>
-            <a:ext cx="8855280" cy="683280"/>
+            <a:ext cx="8854560" cy="682560"/>
           </a:xfrm>
           <a:prstGeom prst="rect">
             <a:avLst/>
@@ -4578,7 +4581,7 @@
         <p:spPr>
           <a:xfrm>
             <a:off x="1392120" y="981000"/>
-            <a:ext cx="6359040" cy="5110920"/>
+            <a:ext cx="6358320" cy="5110200"/>
           </a:xfrm>
           <a:prstGeom prst="rect">
             <a:avLst/>
@@ -5655,7 +5658,7 @@
         <p:spPr>
           <a:xfrm>
             <a:off x="144000" y="0"/>
-            <a:ext cx="8855280" cy="683280"/>
+            <a:ext cx="8854560" cy="682560"/>
           </a:xfrm>
           <a:prstGeom prst="rect">
             <a:avLst/>
@@ -5736,7 +5739,7 @@
         <p:spPr>
           <a:xfrm>
             <a:off x="342000" y="980640"/>
-            <a:ext cx="8459280" cy="5111280"/>
+            <a:ext cx="8458560" cy="5110560"/>
           </a:xfrm>
           <a:prstGeom prst="rect">
             <a:avLst/>
@@ -5762,7 +5765,7 @@
             <a:noAutofit/>
           </a:bodyPr>
           <a:p>
-            <a:pPr marL="343080" indent="-342360">
+            <a:pPr marL="343080" indent="-341640">
               <a:lnSpc>
                 <a:spcPct val="120000"/>
               </a:lnSpc>
@@ -5777,6 +5780,9 @@
             </a:pPr>
             <a:r>
               <a:rPr b="0" lang="en-US" sz="2200" spc="-1" strike="noStrike">
+                <a:solidFill>
+                  <a:srgbClr val="000000"/>
+                </a:solidFill>
                 <a:latin typeface="Candara"/>
                 <a:ea typeface="함초롬돋움"/>
               </a:rPr>
@@ -5797,7 +5803,7 @@
         <p:spPr>
           <a:xfrm>
             <a:off x="144000" y="0"/>
-            <a:ext cx="8855280" cy="683280"/>
+            <a:ext cx="8854560" cy="682560"/>
           </a:xfrm>
           <a:prstGeom prst="rect">
             <a:avLst/>
@@ -5848,9 +5854,9 @@
         <p:grpSpPr>
           <a:xfrm>
             <a:off x="2481840" y="4149000"/>
-            <a:ext cx="6517440" cy="2729160"/>
+            <a:ext cx="6516720" cy="2729160"/>
             <a:chOff x="2481840" y="4149000"/>
-            <a:chExt cx="6517440" cy="2729160"/>
+            <a:chExt cx="6516720" cy="2729160"/>
           </a:xfrm>
         </p:grpSpPr>
         <p:pic>
@@ -5866,7 +5872,7 @@
           <p:spPr>
             <a:xfrm>
               <a:off x="2481840" y="4373640"/>
-              <a:ext cx="6517440" cy="1495800"/>
+              <a:ext cx="6516720" cy="1495080"/>
             </a:xfrm>
             <a:prstGeom prst="rect">
               <a:avLst/>
@@ -5885,7 +5891,7 @@
           <p:spPr>
             <a:xfrm>
               <a:off x="2860920" y="5870160"/>
-              <a:ext cx="1871640" cy="364320"/>
+              <a:ext cx="1870920" cy="363960"/>
             </a:xfrm>
             <a:prstGeom prst="rect">
               <a:avLst/>
@@ -5936,7 +5942,7 @@
           <p:spPr>
             <a:xfrm>
               <a:off x="3183480" y="4149000"/>
-              <a:ext cx="1871640" cy="638640"/>
+              <a:ext cx="1870920" cy="638280"/>
             </a:xfrm>
             <a:prstGeom prst="rect">
               <a:avLst/>
@@ -5987,7 +5993,7 @@
           <p:spPr>
             <a:xfrm>
               <a:off x="6673680" y="5870160"/>
-              <a:ext cx="1871640" cy="364320"/>
+              <a:ext cx="1870920" cy="363960"/>
             </a:xfrm>
             <a:prstGeom prst="rect">
               <a:avLst/>
@@ -6038,7 +6044,7 @@
           <p:spPr>
             <a:xfrm>
               <a:off x="3705840" y="6331680"/>
-              <a:ext cx="4896000" cy="546480"/>
+              <a:ext cx="4895280" cy="546480"/>
             </a:xfrm>
             <a:prstGeom prst="rect">
               <a:avLst/>
@@ -6140,7 +6146,7 @@
         <p:spPr>
           <a:xfrm>
             <a:off x="342000" y="980640"/>
-            <a:ext cx="8459280" cy="5111280"/>
+            <a:ext cx="8458560" cy="5110560"/>
           </a:xfrm>
           <a:prstGeom prst="rect">
             <a:avLst/>
@@ -6161,7 +6167,7 @@
             <a:normAutofit/>
           </a:bodyPr>
           <a:p>
-            <a:pPr marL="457200" indent="-456480">
+            <a:pPr marL="457200" indent="-455760">
               <a:lnSpc>
                 <a:spcPct val="120000"/>
               </a:lnSpc>
@@ -6189,7 +6195,7 @@
             </a:endParaRPr>
           </a:p>
           <a:p>
-            <a:pPr marL="343080" indent="-342360">
+            <a:pPr marL="343080" indent="-341640">
               <a:lnSpc>
                 <a:spcPct val="120000"/>
               </a:lnSpc>
@@ -6267,7 +6273,7 @@
             </a:endParaRPr>
           </a:p>
           <a:p>
-            <a:pPr marL="343080" indent="-342360">
+            <a:pPr marL="343080" indent="-341640">
               <a:lnSpc>
                 <a:spcPct val="120000"/>
               </a:lnSpc>
@@ -6416,7 +6422,7 @@
             </a:endParaRPr>
           </a:p>
           <a:p>
-            <a:pPr marL="343080" indent="-342360">
+            <a:pPr marL="343080" indent="-341640">
               <a:lnSpc>
                 <a:spcPct val="120000"/>
               </a:lnSpc>
@@ -6454,7 +6460,7 @@
             </a:endParaRPr>
           </a:p>
           <a:p>
-            <a:pPr lvl="1" marL="743040" indent="-285120">
+            <a:pPr lvl="1" marL="743040" indent="-284400">
               <a:lnSpc>
                 <a:spcPct val="120000"/>
               </a:lnSpc>
@@ -6492,7 +6498,7 @@
             </a:endParaRPr>
           </a:p>
           <a:p>
-            <a:pPr lvl="1" marL="743040" indent="-285120">
+            <a:pPr lvl="1" marL="743040" indent="-284400">
               <a:lnSpc>
                 <a:spcPct val="120000"/>
               </a:lnSpc>
@@ -6530,7 +6536,7 @@
             </a:endParaRPr>
           </a:p>
           <a:p>
-            <a:pPr lvl="1" marL="743040" indent="-285120">
+            <a:pPr lvl="1" marL="743040" indent="-284400">
               <a:lnSpc>
                 <a:spcPct val="120000"/>
               </a:lnSpc>
@@ -6588,7 +6594,7 @@
             </a:endParaRPr>
           </a:p>
           <a:p>
-            <a:pPr lvl="1" marL="743040" indent="-285120">
+            <a:pPr lvl="1" marL="743040" indent="-284400">
               <a:lnSpc>
                 <a:spcPct val="120000"/>
               </a:lnSpc>
@@ -6662,7 +6668,7 @@
         <p:spPr>
           <a:xfrm>
             <a:off x="144000" y="0"/>
-            <a:ext cx="8855280" cy="683280"/>
+            <a:ext cx="8854560" cy="682560"/>
           </a:xfrm>
           <a:prstGeom prst="rect">
             <a:avLst/>
@@ -6713,9 +6719,9 @@
         <p:grpSpPr>
           <a:xfrm>
             <a:off x="3996000" y="2421000"/>
-            <a:ext cx="4805280" cy="4255920"/>
+            <a:ext cx="4804560" cy="4255560"/>
             <a:chOff x="3996000" y="2421000"/>
-            <a:chExt cx="4805280" cy="4255920"/>
+            <a:chExt cx="4804560" cy="4255560"/>
           </a:xfrm>
         </p:grpSpPr>
         <p:pic>
@@ -6731,7 +6737,7 @@
           <p:spPr>
             <a:xfrm>
               <a:off x="5613120" y="2421000"/>
-              <a:ext cx="3128400" cy="3699360"/>
+              <a:ext cx="3127680" cy="3698640"/>
             </a:xfrm>
             <a:prstGeom prst="rect">
               <a:avLst/>
@@ -6750,7 +6756,7 @@
           <p:spPr>
             <a:xfrm>
               <a:off x="5553000" y="6121080"/>
-              <a:ext cx="3248280" cy="272520"/>
+              <a:ext cx="3247560" cy="272160"/>
             </a:xfrm>
             <a:prstGeom prst="rect">
               <a:avLst/>
@@ -6861,7 +6867,7 @@
           <p:spPr>
             <a:xfrm>
               <a:off x="3996000" y="6373800"/>
-              <a:ext cx="4545000" cy="303120"/>
+              <a:ext cx="4544280" cy="302760"/>
             </a:xfrm>
             <a:prstGeom prst="rect">
               <a:avLst/>
@@ -6963,7 +6969,7 @@
         <p:spPr>
           <a:xfrm>
             <a:off x="342000" y="980640"/>
-            <a:ext cx="8459280" cy="5111280"/>
+            <a:ext cx="8458560" cy="5110560"/>
           </a:xfrm>
           <a:prstGeom prst="rect">
             <a:avLst/>
@@ -7040,7 +7046,7 @@
             </a:endParaRPr>
           </a:p>
           <a:p>
-            <a:pPr marL="343080" indent="-342360">
+            <a:pPr marL="343080" indent="-341640">
               <a:lnSpc>
                 <a:spcPct val="120000"/>
               </a:lnSpc>
@@ -7128,7 +7134,7 @@
             </a:endParaRPr>
           </a:p>
           <a:p>
-            <a:pPr marL="343080" indent="-342360">
+            <a:pPr marL="343080" indent="-341640">
               <a:lnSpc>
                 <a:spcPct val="120000"/>
               </a:lnSpc>
@@ -7219,7 +7225,7 @@
             </a:endParaRPr>
           </a:p>
           <a:p>
-            <a:pPr marL="343080" indent="-342360">
+            <a:pPr marL="343080" indent="-341640">
               <a:lnSpc>
                 <a:spcPct val="120000"/>
               </a:lnSpc>
@@ -7310,7 +7316,7 @@
             </a:endParaRPr>
           </a:p>
           <a:p>
-            <a:pPr marL="343080" indent="-342360">
+            <a:pPr marL="343080" indent="-341640">
               <a:lnSpc>
                 <a:spcPct val="120000"/>
               </a:lnSpc>
@@ -7428,7 +7434,7 @@
         <p:spPr>
           <a:xfrm>
             <a:off x="144000" y="0"/>
-            <a:ext cx="8855280" cy="683280"/>
+            <a:ext cx="8854560" cy="682560"/>
           </a:xfrm>
           <a:prstGeom prst="rect">
             <a:avLst/>
@@ -7483,7 +7489,7 @@
         <p:spPr>
           <a:xfrm>
             <a:off x="6276240" y="3069000"/>
-            <a:ext cx="2525040" cy="3309840"/>
+            <a:ext cx="2524320" cy="3309120"/>
           </a:xfrm>
           <a:prstGeom prst="rect">
             <a:avLst/>
@@ -7532,7 +7538,7 @@
         <p:spPr>
           <a:xfrm>
             <a:off x="342000" y="980640"/>
-            <a:ext cx="8459280" cy="5111280"/>
+            <a:ext cx="8458560" cy="5110560"/>
           </a:xfrm>
           <a:prstGeom prst="rect">
             <a:avLst/>
@@ -7632,7 +7638,7 @@
             </a:endParaRPr>
           </a:p>
           <a:p>
-            <a:pPr marL="343080" indent="-342360">
+            <a:pPr marL="343080" indent="-341640">
               <a:lnSpc>
                 <a:spcPct val="120000"/>
               </a:lnSpc>
@@ -7710,7 +7716,7 @@
             </a:endParaRPr>
           </a:p>
           <a:p>
-            <a:pPr marL="343080" indent="-342360">
+            <a:pPr marL="343080" indent="-341640">
               <a:lnSpc>
                 <a:spcPct val="120000"/>
               </a:lnSpc>
@@ -7834,7 +7840,7 @@
             </a:endParaRPr>
           </a:p>
           <a:p>
-            <a:pPr marL="343080" indent="-342360">
+            <a:pPr marL="343080" indent="-341640">
               <a:lnSpc>
                 <a:spcPct val="120000"/>
               </a:lnSpc>
@@ -7912,7 +7918,7 @@
             </a:endParaRPr>
           </a:p>
           <a:p>
-            <a:pPr marL="343080" indent="-342360">
+            <a:pPr marL="343080" indent="-341640">
               <a:lnSpc>
                 <a:spcPct val="120000"/>
               </a:lnSpc>
@@ -8010,7 +8016,7 @@
         <p:spPr>
           <a:xfrm>
             <a:off x="144000" y="0"/>
-            <a:ext cx="8855280" cy="683280"/>
+            <a:ext cx="8854560" cy="682560"/>
           </a:xfrm>
           <a:prstGeom prst="rect">
             <a:avLst/>
@@ -8065,7 +8071,7 @@
         <p:spPr>
           <a:xfrm>
             <a:off x="6276240" y="3069000"/>
-            <a:ext cx="2525040" cy="3309840"/>
+            <a:ext cx="2524320" cy="3309120"/>
           </a:xfrm>
           <a:prstGeom prst="rect">
             <a:avLst/>
@@ -8114,7 +8120,7 @@
         <p:spPr>
           <a:xfrm>
             <a:off x="342000" y="980640"/>
-            <a:ext cx="8459280" cy="5111280"/>
+            <a:ext cx="8458560" cy="5110560"/>
           </a:xfrm>
           <a:prstGeom prst="rect">
             <a:avLst/>
@@ -8140,7 +8146,7 @@
             <a:noAutofit/>
           </a:bodyPr>
           <a:p>
-            <a:pPr marL="343080" indent="-342360">
+            <a:pPr marL="343080" indent="-341640">
               <a:lnSpc>
                 <a:spcPct val="120000"/>
               </a:lnSpc>
@@ -8155,6 +8161,9 @@
             </a:pPr>
             <a:r>
               <a:rPr b="0" lang="en-US" sz="2200" spc="-1" strike="noStrike">
+                <a:solidFill>
+                  <a:srgbClr val="000000"/>
+                </a:solidFill>
                 <a:latin typeface="Candara"/>
                 <a:ea typeface="함초롬돋움"/>
               </a:rPr>
@@ -8175,7 +8184,7 @@
         <p:spPr>
           <a:xfrm>
             <a:off x="144000" y="0"/>
-            <a:ext cx="8855280" cy="683280"/>
+            <a:ext cx="8854560" cy="682560"/>
           </a:xfrm>
           <a:prstGeom prst="rect">
             <a:avLst/>
@@ -8256,7 +8265,7 @@
         <p:spPr>
           <a:xfrm>
             <a:off x="342000" y="980640"/>
-            <a:ext cx="8459280" cy="5111280"/>
+            <a:ext cx="8458560" cy="5110560"/>
           </a:xfrm>
           <a:prstGeom prst="rect">
             <a:avLst/>
@@ -8353,7 +8362,7 @@
             </a:endParaRPr>
           </a:p>
           <a:p>
-            <a:pPr marL="343080" indent="-342360">
+            <a:pPr marL="343080" indent="-341640">
               <a:lnSpc>
                 <a:spcPct val="120000"/>
               </a:lnSpc>
@@ -8764,7 +8773,7 @@
         <p:spPr>
           <a:xfrm>
             <a:off x="342000" y="980640"/>
-            <a:ext cx="8459280" cy="5111280"/>
+            <a:ext cx="8458560" cy="5110560"/>
           </a:xfrm>
           <a:prstGeom prst="rect">
             <a:avLst/>
@@ -8790,7 +8799,7 @@
             <a:noAutofit/>
           </a:bodyPr>
           <a:p>
-            <a:pPr marL="343080" indent="-342360">
+            <a:pPr marL="343080" indent="-341640">
               <a:lnSpc>
                 <a:spcPct val="120000"/>
               </a:lnSpc>
@@ -8805,6 +8814,9 @@
             </a:pPr>
             <a:r>
               <a:rPr b="0" lang="en-US" sz="2200" spc="-1" strike="noStrike">
+                <a:solidFill>
+                  <a:srgbClr val="000000"/>
+                </a:solidFill>
                 <a:latin typeface="Candara"/>
                 <a:ea typeface="함초롬돋움"/>
               </a:rPr>
@@ -8825,7 +8837,7 @@
         <p:spPr>
           <a:xfrm>
             <a:off x="144000" y="0"/>
-            <a:ext cx="8855280" cy="683280"/>
+            <a:ext cx="8854560" cy="682560"/>
           </a:xfrm>
           <a:prstGeom prst="rect">
             <a:avLst/>
@@ -8906,7 +8918,7 @@
         <p:spPr>
           <a:xfrm>
             <a:off x="342000" y="980640"/>
-            <a:ext cx="8459280" cy="5111280"/>
+            <a:ext cx="8458560" cy="5110560"/>
           </a:xfrm>
           <a:prstGeom prst="rect">
             <a:avLst/>
@@ -8932,7 +8944,7 @@
             <a:noAutofit/>
           </a:bodyPr>
           <a:p>
-            <a:pPr marL="343080" indent="-342360">
+            <a:pPr marL="343080" indent="-341640">
               <a:lnSpc>
                 <a:spcPct val="120000"/>
               </a:lnSpc>
@@ -8947,6 +8959,9 @@
             </a:pPr>
             <a:r>
               <a:rPr b="0" lang="en-US" sz="2200" spc="-1" strike="noStrike">
+                <a:solidFill>
+                  <a:srgbClr val="000000"/>
+                </a:solidFill>
                 <a:latin typeface="Candara"/>
                 <a:ea typeface="함초롬돋움"/>
               </a:rPr>
@@ -8967,7 +8982,7 @@
         <p:spPr>
           <a:xfrm>
             <a:off x="144000" y="0"/>
-            <a:ext cx="8855280" cy="683280"/>
+            <a:ext cx="8854560" cy="682560"/>
           </a:xfrm>
           <a:prstGeom prst="rect">
             <a:avLst/>
@@ -9048,7 +9063,7 @@
         <p:spPr>
           <a:xfrm>
             <a:off x="342000" y="980640"/>
-            <a:ext cx="8459280" cy="5111280"/>
+            <a:ext cx="8458560" cy="5110560"/>
           </a:xfrm>
           <a:prstGeom prst="rect">
             <a:avLst/>
@@ -9183,7 +9198,7 @@
             </a:endParaRPr>
           </a:p>
           <a:p>
-            <a:pPr marL="343080" indent="-342360">
+            <a:pPr marL="343080" indent="-341640">
               <a:lnSpc>
                 <a:spcPct val="120000"/>
               </a:lnSpc>
@@ -9343,7 +9358,7 @@
             </a:endParaRPr>
           </a:p>
           <a:p>
-            <a:pPr marL="343080" indent="-342360">
+            <a:pPr marL="343080" indent="-341640">
               <a:lnSpc>
                 <a:spcPct val="120000"/>
               </a:lnSpc>
@@ -9562,7 +9577,7 @@
         <p:spPr>
           <a:xfrm>
             <a:off x="144000" y="0"/>
-            <a:ext cx="8855280" cy="683280"/>
+            <a:ext cx="8854560" cy="682560"/>
           </a:xfrm>
           <a:prstGeom prst="rect">
             <a:avLst/>
@@ -9617,7 +9632,7 @@
         <p:spPr>
           <a:xfrm>
             <a:off x="2627640" y="986040"/>
-            <a:ext cx="3610080" cy="2477880"/>
+            <a:ext cx="3609360" cy="2477160"/>
           </a:xfrm>
           <a:prstGeom prst="rect">
             <a:avLst/>
@@ -9636,7 +9651,7 @@
         <p:spPr>
           <a:xfrm>
             <a:off x="5796000" y="6389280"/>
-            <a:ext cx="3005280" cy="255600"/>
+            <a:ext cx="3004560" cy="255600"/>
           </a:xfrm>
           <a:prstGeom prst="rect">
             <a:avLst/>
@@ -9719,7 +9734,7 @@
         <p:spPr>
           <a:xfrm>
             <a:off x="342000" y="980640"/>
-            <a:ext cx="8459280" cy="5111280"/>
+            <a:ext cx="8458560" cy="5110560"/>
           </a:xfrm>
           <a:prstGeom prst="rect">
             <a:avLst/>
@@ -9737,7 +9752,7 @@
         </p:style>
         <p:txBody>
           <a:bodyPr lIns="90000" rIns="90000" tIns="45000" bIns="45000">
-            <a:normAutofit fontScale="78000"/>
+            <a:normAutofit fontScale="80000"/>
           </a:bodyPr>
           <a:p>
             <a:pPr>
@@ -9854,7 +9869,7 @@
             </a:endParaRPr>
           </a:p>
           <a:p>
-            <a:pPr marL="343080" indent="-342360">
+            <a:pPr marL="343080" indent="-341640">
               <a:lnSpc>
                 <a:spcPct val="120000"/>
               </a:lnSpc>
@@ -9923,7 +9938,7 @@
             </a:endParaRPr>
           </a:p>
           <a:p>
-            <a:pPr marL="343080" indent="-342360">
+            <a:pPr marL="343080" indent="-341640">
               <a:lnSpc>
                 <a:spcPct val="120000"/>
               </a:lnSpc>
@@ -10055,7 +10070,7 @@
         <p:spPr>
           <a:xfrm>
             <a:off x="144000" y="0"/>
-            <a:ext cx="8855280" cy="683280"/>
+            <a:ext cx="8854560" cy="682560"/>
           </a:xfrm>
           <a:prstGeom prst="rect">
             <a:avLst/>
@@ -10110,7 +10125,7 @@
         <p:spPr>
           <a:xfrm>
             <a:off x="2339640" y="1268640"/>
-            <a:ext cx="3715200" cy="2591640"/>
+            <a:ext cx="3714480" cy="2590920"/>
           </a:xfrm>
           <a:prstGeom prst="rect">
             <a:avLst/>
@@ -10129,7 +10144,7 @@
         <p:spPr>
           <a:xfrm>
             <a:off x="5796000" y="6389280"/>
-            <a:ext cx="3005280" cy="255600"/>
+            <a:ext cx="3004560" cy="255600"/>
           </a:xfrm>
           <a:prstGeom prst="rect">
             <a:avLst/>
@@ -10212,7 +10227,7 @@
         <p:spPr>
           <a:xfrm>
             <a:off x="342000" y="980640"/>
-            <a:ext cx="8459280" cy="5111280"/>
+            <a:ext cx="8458560" cy="5110560"/>
           </a:xfrm>
           <a:prstGeom prst="rect">
             <a:avLst/>
@@ -10233,7 +10248,7 @@
             <a:normAutofit fontScale="38000"/>
           </a:bodyPr>
           <a:p>
-            <a:pPr marL="457200" indent="-456480">
+            <a:pPr marL="457200" indent="-455760">
               <a:lnSpc>
                 <a:spcPct val="120000"/>
               </a:lnSpc>
@@ -10434,7 +10449,7 @@
             </a:endParaRPr>
           </a:p>
           <a:p>
-            <a:pPr marL="457200" indent="-456480">
+            <a:pPr marL="457200" indent="-455760">
               <a:lnSpc>
                 <a:spcPct val="120000"/>
               </a:lnSpc>
@@ -10573,7 +10588,7 @@
             </a:endParaRPr>
           </a:p>
           <a:p>
-            <a:pPr marL="457200" indent="-456480">
+            <a:pPr marL="457200" indent="-455760">
               <a:lnSpc>
                 <a:spcPct val="120000"/>
               </a:lnSpc>
@@ -10711,7 +10726,7 @@
             </a:endParaRPr>
           </a:p>
           <a:p>
-            <a:pPr marL="457200" indent="-456480">
+            <a:pPr marL="457200" indent="-455760">
               <a:lnSpc>
                 <a:spcPct val="120000"/>
               </a:lnSpc>
@@ -10789,7 +10804,7 @@
             </a:endParaRPr>
           </a:p>
           <a:p>
-            <a:pPr marL="457200" indent="-456480">
+            <a:pPr marL="457200" indent="-455760">
               <a:lnSpc>
                 <a:spcPct val="120000"/>
               </a:lnSpc>
@@ -10837,7 +10852,7 @@
             </a:endParaRPr>
           </a:p>
           <a:p>
-            <a:pPr marL="457200" indent="-456480">
+            <a:pPr marL="457200" indent="-455760">
               <a:lnSpc>
                 <a:spcPct val="120000"/>
               </a:lnSpc>
@@ -11246,7 +11261,7 @@
         <p:spPr>
           <a:xfrm>
             <a:off x="144000" y="0"/>
-            <a:ext cx="8855280" cy="683280"/>
+            <a:ext cx="8854560" cy="682560"/>
           </a:xfrm>
           <a:prstGeom prst="rect">
             <a:avLst/>
@@ -11301,7 +11316,7 @@
         <p:spPr>
           <a:xfrm>
             <a:off x="5845320" y="3501000"/>
-            <a:ext cx="3038400" cy="2887560"/>
+            <a:ext cx="3037680" cy="2886840"/>
           </a:xfrm>
           <a:prstGeom prst="rect">
             <a:avLst/>
@@ -11320,7 +11335,7 @@
         <p:spPr>
           <a:xfrm>
             <a:off x="5873400" y="6389280"/>
-            <a:ext cx="3023640" cy="255600"/>
+            <a:ext cx="3022920" cy="255600"/>
           </a:xfrm>
           <a:prstGeom prst="rect">
             <a:avLst/>
@@ -11403,7 +11418,7 @@
         <p:spPr>
           <a:xfrm>
             <a:off x="342000" y="980640"/>
-            <a:ext cx="8459280" cy="5111280"/>
+            <a:ext cx="8458560" cy="5110560"/>
           </a:xfrm>
           <a:prstGeom prst="rect">
             <a:avLst/>
@@ -11424,7 +11439,7 @@
             <a:normAutofit/>
           </a:bodyPr>
           <a:p>
-            <a:pPr marL="457200" indent="-456480">
+            <a:pPr marL="457200" indent="-455760">
               <a:lnSpc>
                 <a:spcPct val="120000"/>
               </a:lnSpc>
@@ -11545,7 +11560,7 @@
             </a:endParaRPr>
           </a:p>
           <a:p>
-            <a:pPr marL="457200" indent="-456480">
+            <a:pPr marL="457200" indent="-455760">
               <a:lnSpc>
                 <a:spcPct val="120000"/>
               </a:lnSpc>
@@ -11677,7 +11692,7 @@
         <p:spPr>
           <a:xfrm>
             <a:off x="144000" y="0"/>
-            <a:ext cx="8855280" cy="683280"/>
+            <a:ext cx="8854560" cy="682560"/>
           </a:xfrm>
           <a:prstGeom prst="rect">
             <a:avLst/>
@@ -11732,7 +11747,7 @@
         <p:spPr>
           <a:xfrm>
             <a:off x="2988000" y="3261240"/>
-            <a:ext cx="2770920" cy="3097080"/>
+            <a:ext cx="2770200" cy="3096360"/>
           </a:xfrm>
           <a:prstGeom prst="rect">
             <a:avLst/>
@@ -11751,7 +11766,7 @@
         <p:spPr>
           <a:xfrm>
             <a:off x="5796000" y="6389280"/>
-            <a:ext cx="3005280" cy="255600"/>
+            <a:ext cx="3004560" cy="255600"/>
           </a:xfrm>
           <a:prstGeom prst="rect">
             <a:avLst/>
@@ -11834,7 +11849,7 @@
         <p:spPr>
           <a:xfrm>
             <a:off x="342000" y="980640"/>
-            <a:ext cx="8459280" cy="5111280"/>
+            <a:ext cx="8458560" cy="5110560"/>
           </a:xfrm>
           <a:prstGeom prst="rect">
             <a:avLst/>
@@ -11855,7 +11870,7 @@
             <a:normAutofit/>
           </a:bodyPr>
           <a:p>
-            <a:pPr marL="457200" indent="-456480">
+            <a:pPr marL="457200" indent="-455760">
               <a:lnSpc>
                 <a:spcPct val="120000"/>
               </a:lnSpc>
@@ -11962,7 +11977,7 @@
         <p:spPr>
           <a:xfrm>
             <a:off x="144000" y="0"/>
-            <a:ext cx="8855280" cy="683280"/>
+            <a:ext cx="8854560" cy="682560"/>
           </a:xfrm>
           <a:prstGeom prst="rect">
             <a:avLst/>
@@ -12017,7 +12032,7 @@
         <p:spPr>
           <a:xfrm>
             <a:off x="1477080" y="2769120"/>
-            <a:ext cx="6189480" cy="3322800"/>
+            <a:ext cx="6188760" cy="3322080"/>
           </a:xfrm>
           <a:prstGeom prst="rect">
             <a:avLst/>
@@ -12036,7 +12051,7 @@
         <p:spPr>
           <a:xfrm>
             <a:off x="5796000" y="6389280"/>
-            <a:ext cx="3005280" cy="255600"/>
+            <a:ext cx="3004560" cy="255600"/>
           </a:xfrm>
           <a:prstGeom prst="rect">
             <a:avLst/>
@@ -12119,7 +12134,7 @@
         <p:spPr>
           <a:xfrm>
             <a:off x="342000" y="980640"/>
-            <a:ext cx="8459280" cy="5616000"/>
+            <a:ext cx="8458560" cy="5615280"/>
           </a:xfrm>
           <a:prstGeom prst="rect">
             <a:avLst/>
@@ -12140,7 +12155,7 @@
             <a:noAutofit/>
           </a:bodyPr>
           <a:p>
-            <a:pPr marL="343080" indent="-342360">
+            <a:pPr marL="343080" indent="-341640">
               <a:lnSpc>
                 <a:spcPct val="120000"/>
               </a:lnSpc>
@@ -12168,7 +12183,7 @@
             </a:endParaRPr>
           </a:p>
           <a:p>
-            <a:pPr lvl="1" marL="743040" indent="-285120">
+            <a:pPr lvl="1" marL="743040" indent="-284400">
               <a:lnSpc>
                 <a:spcPct val="120000"/>
               </a:lnSpc>
@@ -12196,7 +12211,7 @@
             </a:endParaRPr>
           </a:p>
           <a:p>
-            <a:pPr lvl="1" marL="743040" indent="-285120">
+            <a:pPr lvl="1" marL="743040" indent="-284400">
               <a:lnSpc>
                 <a:spcPct val="120000"/>
               </a:lnSpc>
@@ -12235,7 +12250,7 @@
             </a:endParaRPr>
           </a:p>
           <a:p>
-            <a:pPr lvl="2" marL="1143000" indent="-227880">
+            <a:pPr lvl="2" marL="1143000" indent="-227160">
               <a:lnSpc>
                 <a:spcPct val="120000"/>
               </a:lnSpc>
@@ -12263,7 +12278,7 @@
             </a:endParaRPr>
           </a:p>
           <a:p>
-            <a:pPr lvl="2" marL="1143000" indent="-227880">
+            <a:pPr lvl="2" marL="1143000" indent="-227160">
               <a:lnSpc>
                 <a:spcPct val="120000"/>
               </a:lnSpc>
@@ -12291,7 +12306,7 @@
             </a:endParaRPr>
           </a:p>
           <a:p>
-            <a:pPr lvl="2" marL="1143000" indent="-227880">
+            <a:pPr lvl="2" marL="1143000" indent="-227160">
               <a:lnSpc>
                 <a:spcPct val="120000"/>
               </a:lnSpc>
@@ -12319,7 +12334,7 @@
             </a:endParaRPr>
           </a:p>
           <a:p>
-            <a:pPr lvl="1" marL="743040" indent="-285120">
+            <a:pPr lvl="1" marL="743040" indent="-284400">
               <a:lnSpc>
                 <a:spcPct val="120000"/>
               </a:lnSpc>
@@ -12358,7 +12373,7 @@
             </a:endParaRPr>
           </a:p>
           <a:p>
-            <a:pPr lvl="2" marL="1143000" indent="-227880">
+            <a:pPr lvl="2" marL="1143000" indent="-227160">
               <a:lnSpc>
                 <a:spcPct val="120000"/>
               </a:lnSpc>
@@ -12386,7 +12401,7 @@
             </a:endParaRPr>
           </a:p>
           <a:p>
-            <a:pPr lvl="2" marL="1143000" indent="-227880">
+            <a:pPr lvl="2" marL="1143000" indent="-227160">
               <a:lnSpc>
                 <a:spcPct val="120000"/>
               </a:lnSpc>
@@ -12414,7 +12429,7 @@
             </a:endParaRPr>
           </a:p>
           <a:p>
-            <a:pPr lvl="1" marL="743040" indent="-285120">
+            <a:pPr lvl="1" marL="743040" indent="-284400">
               <a:lnSpc>
                 <a:spcPct val="120000"/>
               </a:lnSpc>
@@ -12442,7 +12457,7 @@
             </a:endParaRPr>
           </a:p>
           <a:p>
-            <a:pPr lvl="2" marL="1143000" indent="-227880">
+            <a:pPr lvl="2" marL="1143000" indent="-227160">
               <a:lnSpc>
                 <a:spcPct val="120000"/>
               </a:lnSpc>
@@ -12470,7 +12485,7 @@
             </a:endParaRPr>
           </a:p>
           <a:p>
-            <a:pPr lvl="2" marL="1143000" indent="-227880">
+            <a:pPr lvl="2" marL="1143000" indent="-227160">
               <a:lnSpc>
                 <a:spcPct val="120000"/>
               </a:lnSpc>
@@ -12498,7 +12513,7 @@
             </a:endParaRPr>
           </a:p>
           <a:p>
-            <a:pPr lvl="1" marL="743040" indent="-285120">
+            <a:pPr lvl="1" marL="743040" indent="-284400">
               <a:lnSpc>
                 <a:spcPct val="120000"/>
               </a:lnSpc>
@@ -12526,7 +12541,7 @@
             </a:endParaRPr>
           </a:p>
           <a:p>
-            <a:pPr lvl="2" marL="1143000" indent="-227880">
+            <a:pPr lvl="2" marL="1143000" indent="-227160">
               <a:lnSpc>
                 <a:spcPct val="120000"/>
               </a:lnSpc>
@@ -12554,7 +12569,7 @@
             </a:endParaRPr>
           </a:p>
           <a:p>
-            <a:pPr lvl="2" marL="1143000" indent="-227880">
+            <a:pPr lvl="2" marL="1143000" indent="-227160">
               <a:lnSpc>
                 <a:spcPct val="120000"/>
               </a:lnSpc>
@@ -12582,7 +12597,7 @@
             </a:endParaRPr>
           </a:p>
           <a:p>
-            <a:pPr lvl="2" marL="1143000" indent="-227880">
+            <a:pPr lvl="2" marL="1143000" indent="-227160">
               <a:lnSpc>
                 <a:spcPct val="120000"/>
               </a:lnSpc>
@@ -12620,7 +12635,7 @@
             </a:endParaRPr>
           </a:p>
           <a:p>
-            <a:pPr lvl="1" marL="743040" indent="-285120">
+            <a:pPr lvl="1" marL="743040" indent="-284400">
               <a:lnSpc>
                 <a:spcPct val="120000"/>
               </a:lnSpc>
@@ -12648,7 +12663,7 @@
             </a:endParaRPr>
           </a:p>
           <a:p>
-            <a:pPr lvl="2" marL="1143000" indent="-227880">
+            <a:pPr lvl="2" marL="1143000" indent="-227160">
               <a:lnSpc>
                 <a:spcPct val="120000"/>
               </a:lnSpc>
@@ -12686,7 +12701,7 @@
         <p:spPr>
           <a:xfrm>
             <a:off x="144000" y="0"/>
-            <a:ext cx="8855280" cy="683280"/>
+            <a:ext cx="8854560" cy="682560"/>
           </a:xfrm>
           <a:prstGeom prst="rect">
             <a:avLst/>
@@ -12777,7 +12792,7 @@
         <p:spPr>
           <a:xfrm>
             <a:off x="342000" y="980640"/>
-            <a:ext cx="8459280" cy="5111280"/>
+            <a:ext cx="8458560" cy="5110560"/>
           </a:xfrm>
           <a:prstGeom prst="rect">
             <a:avLst/>
@@ -12798,7 +12813,7 @@
             <a:normAutofit/>
           </a:bodyPr>
           <a:p>
-            <a:pPr marL="343080" indent="-342360">
+            <a:pPr marL="343080" indent="-341640">
               <a:lnSpc>
                 <a:spcPct val="120000"/>
               </a:lnSpc>
@@ -12944,7 +12959,7 @@
         <p:spPr>
           <a:xfrm>
             <a:off x="144000" y="0"/>
-            <a:ext cx="8855280" cy="683280"/>
+            <a:ext cx="8854560" cy="682560"/>
           </a:xfrm>
           <a:prstGeom prst="rect">
             <a:avLst/>
@@ -13009,7 +13024,7 @@
         <p:spPr>
           <a:xfrm>
             <a:off x="2123640" y="2637000"/>
-            <a:ext cx="5201280" cy="2756520"/>
+            <a:ext cx="5200560" cy="2755800"/>
           </a:xfrm>
           <a:prstGeom prst="rect">
             <a:avLst/>
@@ -13092,7 +13107,7 @@
         <p:spPr>
           <a:xfrm>
             <a:off x="342000" y="980640"/>
-            <a:ext cx="8459280" cy="5616000"/>
+            <a:ext cx="8458560" cy="5615280"/>
           </a:xfrm>
           <a:prstGeom prst="rect">
             <a:avLst/>
@@ -13113,7 +13128,7 @@
             <a:normAutofit fontScale="73000"/>
           </a:bodyPr>
           <a:p>
-            <a:pPr marL="343080" indent="-342360">
+            <a:pPr marL="343080" indent="-341640">
               <a:lnSpc>
                 <a:spcPct val="120000"/>
               </a:lnSpc>
@@ -13141,7 +13156,7 @@
             </a:endParaRPr>
           </a:p>
           <a:p>
-            <a:pPr lvl="1" marL="743040" indent="-285120">
+            <a:pPr lvl="1" marL="743040" indent="-284400">
               <a:lnSpc>
                 <a:spcPct val="120000"/>
               </a:lnSpc>
@@ -13169,7 +13184,7 @@
             </a:endParaRPr>
           </a:p>
           <a:p>
-            <a:pPr lvl="1" marL="743040" indent="-285120">
+            <a:pPr lvl="1" marL="743040" indent="-284400">
               <a:lnSpc>
                 <a:spcPct val="120000"/>
               </a:lnSpc>
@@ -13197,7 +13212,7 @@
             </a:endParaRPr>
           </a:p>
           <a:p>
-            <a:pPr lvl="2" marL="1143000" indent="-227880">
+            <a:pPr lvl="2" marL="1143000" indent="-227160">
               <a:lnSpc>
                 <a:spcPct val="120000"/>
               </a:lnSpc>
@@ -13225,7 +13240,7 @@
             </a:endParaRPr>
           </a:p>
           <a:p>
-            <a:pPr lvl="3" marL="1600200" indent="-227880">
+            <a:pPr lvl="3" marL="1600200" indent="-227160">
               <a:lnSpc>
                 <a:spcPct val="120000"/>
               </a:lnSpc>
@@ -13273,7 +13288,7 @@
             </a:endParaRPr>
           </a:p>
           <a:p>
-            <a:pPr lvl="3" marL="1600200" indent="-227880">
+            <a:pPr lvl="3" marL="1600200" indent="-227160">
               <a:lnSpc>
                 <a:spcPct val="120000"/>
               </a:lnSpc>
@@ -13331,7 +13346,7 @@
             </a:endParaRPr>
           </a:p>
           <a:p>
-            <a:pPr lvl="2" marL="1143000" indent="-227880">
+            <a:pPr lvl="2" marL="1143000" indent="-227160">
               <a:lnSpc>
                 <a:spcPct val="120000"/>
               </a:lnSpc>
@@ -13359,7 +13374,7 @@
             </a:endParaRPr>
           </a:p>
           <a:p>
-            <a:pPr lvl="3" marL="1600200" indent="-227880">
+            <a:pPr lvl="3" marL="1600200" indent="-227160">
               <a:lnSpc>
                 <a:spcPct val="120000"/>
               </a:lnSpc>
@@ -13397,7 +13412,7 @@
             </a:endParaRPr>
           </a:p>
           <a:p>
-            <a:pPr lvl="3" marL="1600200" indent="-227880">
+            <a:pPr lvl="3" marL="1600200" indent="-227160">
               <a:lnSpc>
                 <a:spcPct val="120000"/>
               </a:lnSpc>
@@ -13435,7 +13450,7 @@
             </a:endParaRPr>
           </a:p>
           <a:p>
-            <a:pPr lvl="2" marL="1143000" indent="-227880">
+            <a:pPr lvl="2" marL="1143000" indent="-227160">
               <a:lnSpc>
                 <a:spcPct val="120000"/>
               </a:lnSpc>
@@ -13463,7 +13478,7 @@
             </a:endParaRPr>
           </a:p>
           <a:p>
-            <a:pPr lvl="3" marL="1600200" indent="-227880">
+            <a:pPr lvl="3" marL="1600200" indent="-227160">
               <a:lnSpc>
                 <a:spcPct val="120000"/>
               </a:lnSpc>
@@ -13491,7 +13506,7 @@
             </a:endParaRPr>
           </a:p>
           <a:p>
-            <a:pPr lvl="3" marL="1600200" indent="-227880">
+            <a:pPr lvl="3" marL="1600200" indent="-227160">
               <a:lnSpc>
                 <a:spcPct val="120000"/>
               </a:lnSpc>
@@ -13519,7 +13534,7 @@
             </a:endParaRPr>
           </a:p>
           <a:p>
-            <a:pPr lvl="2" marL="1143000" indent="-227880">
+            <a:pPr lvl="2" marL="1143000" indent="-227160">
               <a:lnSpc>
                 <a:spcPct val="120000"/>
               </a:lnSpc>
@@ -13547,7 +13562,7 @@
             </a:endParaRPr>
           </a:p>
           <a:p>
-            <a:pPr lvl="3" marL="1600200" indent="-227880">
+            <a:pPr lvl="3" marL="1600200" indent="-227160">
               <a:lnSpc>
                 <a:spcPct val="120000"/>
               </a:lnSpc>
@@ -13662,7 +13677,7 @@
         <p:spPr>
           <a:xfrm>
             <a:off x="144000" y="0"/>
-            <a:ext cx="8855280" cy="683280"/>
+            <a:ext cx="8854560" cy="682560"/>
           </a:xfrm>
           <a:prstGeom prst="rect">
             <a:avLst/>
@@ -13753,7 +13768,7 @@
         <p:spPr>
           <a:xfrm>
             <a:off x="342000" y="836640"/>
-            <a:ext cx="8459280" cy="5876640"/>
+            <a:ext cx="8458560" cy="5875920"/>
           </a:xfrm>
           <a:prstGeom prst="rect">
             <a:avLst/>
@@ -13774,7 +13789,7 @@
             <a:normAutofit fontScale="28000"/>
           </a:bodyPr>
           <a:p>
-            <a:pPr marL="343080" indent="-342360">
+            <a:pPr marL="343080" indent="-341640">
               <a:lnSpc>
                 <a:spcPct val="120000"/>
               </a:lnSpc>
@@ -13802,7 +13817,7 @@
             </a:endParaRPr>
           </a:p>
           <a:p>
-            <a:pPr lvl="1" marL="743040" indent="-285120">
+            <a:pPr lvl="1" marL="743040" indent="-284400">
               <a:lnSpc>
                 <a:spcPct val="120000"/>
               </a:lnSpc>
@@ -13840,7 +13855,7 @@
             </a:endParaRPr>
           </a:p>
           <a:p>
-            <a:pPr lvl="1" marL="743040" indent="-285120">
+            <a:pPr lvl="1" marL="743040" indent="-284400">
               <a:lnSpc>
                 <a:spcPct val="120000"/>
               </a:lnSpc>
@@ -13868,7 +13883,7 @@
             </a:endParaRPr>
           </a:p>
           <a:p>
-            <a:pPr lvl="1" marL="743040" indent="-285120">
+            <a:pPr lvl="1" marL="743040" indent="-284400">
               <a:lnSpc>
                 <a:spcPct val="120000"/>
               </a:lnSpc>
@@ -13896,7 +13911,7 @@
             </a:endParaRPr>
           </a:p>
           <a:p>
-            <a:pPr lvl="1" marL="743040" indent="-285120">
+            <a:pPr lvl="1" marL="743040" indent="-284400">
               <a:lnSpc>
                 <a:spcPct val="120000"/>
               </a:lnSpc>
@@ -13924,7 +13939,7 @@
             </a:endParaRPr>
           </a:p>
           <a:p>
-            <a:pPr lvl="1" marL="743040" indent="-285120">
+            <a:pPr lvl="1" marL="743040" indent="-284400">
               <a:lnSpc>
                 <a:spcPct val="120000"/>
               </a:lnSpc>
@@ -13952,7 +13967,7 @@
             </a:endParaRPr>
           </a:p>
           <a:p>
-            <a:pPr lvl="1" marL="743040" indent="-285120">
+            <a:pPr lvl="1" marL="743040" indent="-284400">
               <a:lnSpc>
                 <a:spcPct val="120000"/>
               </a:lnSpc>
@@ -13980,7 +13995,7 @@
             </a:endParaRPr>
           </a:p>
           <a:p>
-            <a:pPr lvl="1" marL="743040" indent="-285120">
+            <a:pPr lvl="1" marL="743040" indent="-284400">
               <a:lnSpc>
                 <a:spcPct val="120000"/>
               </a:lnSpc>
@@ -14008,7 +14023,7 @@
             </a:endParaRPr>
           </a:p>
           <a:p>
-            <a:pPr lvl="1" marL="743040" indent="-285120">
+            <a:pPr lvl="1" marL="743040" indent="-284400">
               <a:lnSpc>
                 <a:spcPct val="120000"/>
               </a:lnSpc>
@@ -14036,7 +14051,7 @@
             </a:endParaRPr>
           </a:p>
           <a:p>
-            <a:pPr lvl="1" marL="743040" indent="-285120">
+            <a:pPr lvl="1" marL="743040" indent="-284400">
               <a:lnSpc>
                 <a:spcPct val="120000"/>
               </a:lnSpc>
@@ -14064,7 +14079,7 @@
             </a:endParaRPr>
           </a:p>
           <a:p>
-            <a:pPr lvl="1" marL="743040" indent="-285120">
+            <a:pPr lvl="1" marL="743040" indent="-284400">
               <a:lnSpc>
                 <a:spcPct val="120000"/>
               </a:lnSpc>
@@ -14092,7 +14107,7 @@
             </a:endParaRPr>
           </a:p>
           <a:p>
-            <a:pPr lvl="1" marL="743040" indent="-285120">
+            <a:pPr lvl="1" marL="743040" indent="-284400">
               <a:lnSpc>
                 <a:spcPct val="120000"/>
               </a:lnSpc>
@@ -14120,7 +14135,7 @@
             </a:endParaRPr>
           </a:p>
           <a:p>
-            <a:pPr lvl="1" marL="743040" indent="-285120">
+            <a:pPr lvl="1" marL="743040" indent="-284400">
               <a:lnSpc>
                 <a:spcPct val="120000"/>
               </a:lnSpc>
@@ -14148,7 +14163,7 @@
             </a:endParaRPr>
           </a:p>
           <a:p>
-            <a:pPr lvl="1" marL="743040" indent="-285120">
+            <a:pPr lvl="1" marL="743040" indent="-284400">
               <a:lnSpc>
                 <a:spcPct val="120000"/>
               </a:lnSpc>
@@ -14176,7 +14191,7 @@
             </a:endParaRPr>
           </a:p>
           <a:p>
-            <a:pPr lvl="1" marL="743040" indent="-285120">
+            <a:pPr lvl="1" marL="743040" indent="-284400">
               <a:lnSpc>
                 <a:spcPct val="120000"/>
               </a:lnSpc>
@@ -14204,7 +14219,7 @@
             </a:endParaRPr>
           </a:p>
           <a:p>
-            <a:pPr lvl="1" marL="743040" indent="-285120">
+            <a:pPr lvl="1" marL="743040" indent="-284400">
               <a:lnSpc>
                 <a:spcPct val="120000"/>
               </a:lnSpc>
@@ -14232,7 +14247,7 @@
             </a:endParaRPr>
           </a:p>
           <a:p>
-            <a:pPr lvl="1" marL="743040" indent="-285120">
+            <a:pPr lvl="1" marL="743040" indent="-284400">
               <a:lnSpc>
                 <a:spcPct val="120000"/>
               </a:lnSpc>
@@ -14260,7 +14275,7 @@
             </a:endParaRPr>
           </a:p>
           <a:p>
-            <a:pPr lvl="1" marL="743040" indent="-285120">
+            <a:pPr lvl="1" marL="743040" indent="-284400">
               <a:lnSpc>
                 <a:spcPct val="120000"/>
               </a:lnSpc>
@@ -14288,7 +14303,7 @@
             </a:endParaRPr>
           </a:p>
           <a:p>
-            <a:pPr lvl="1" marL="743040" indent="-285120">
+            <a:pPr lvl="1" marL="743040" indent="-284400">
               <a:lnSpc>
                 <a:spcPct val="120000"/>
               </a:lnSpc>
@@ -14316,7 +14331,7 @@
             </a:endParaRPr>
           </a:p>
           <a:p>
-            <a:pPr lvl="1" marL="743040" indent="-285120">
+            <a:pPr lvl="1" marL="743040" indent="-284400">
               <a:lnSpc>
                 <a:spcPct val="120000"/>
               </a:lnSpc>
@@ -14344,7 +14359,7 @@
             </a:endParaRPr>
           </a:p>
           <a:p>
-            <a:pPr marL="399960" indent="-342360">
+            <a:pPr marL="399960" indent="-341640">
               <a:lnSpc>
                 <a:spcPct val="120000"/>
               </a:lnSpc>
@@ -14372,7 +14387,7 @@
             </a:endParaRPr>
           </a:p>
           <a:p>
-            <a:pPr lvl="1" marL="743040" indent="-285120">
+            <a:pPr lvl="1" marL="743040" indent="-284400">
               <a:lnSpc>
                 <a:spcPct val="120000"/>
               </a:lnSpc>
@@ -14400,7 +14415,7 @@
             </a:endParaRPr>
           </a:p>
           <a:p>
-            <a:pPr lvl="1" marL="743040" indent="-285120">
+            <a:pPr lvl="1" marL="743040" indent="-284400">
               <a:lnSpc>
                 <a:spcPct val="120000"/>
               </a:lnSpc>
@@ -14428,7 +14443,7 @@
             </a:endParaRPr>
           </a:p>
           <a:p>
-            <a:pPr lvl="1" marL="743040" indent="-285120">
+            <a:pPr lvl="1" marL="743040" indent="-284400">
               <a:lnSpc>
                 <a:spcPct val="120000"/>
               </a:lnSpc>
@@ -14456,7 +14471,7 @@
             </a:endParaRPr>
           </a:p>
           <a:p>
-            <a:pPr lvl="1" marL="743040" indent="-285120">
+            <a:pPr lvl="1" marL="743040" indent="-284400">
               <a:lnSpc>
                 <a:spcPct val="120000"/>
               </a:lnSpc>
@@ -14484,7 +14499,7 @@
             </a:endParaRPr>
           </a:p>
           <a:p>
-            <a:pPr lvl="1" marL="743040" indent="-285120">
+            <a:pPr lvl="1" marL="743040" indent="-284400">
               <a:lnSpc>
                 <a:spcPct val="120000"/>
               </a:lnSpc>
@@ -14522,7 +14537,7 @@
             </a:endParaRPr>
           </a:p>
           <a:p>
-            <a:pPr marL="343080" indent="-342360">
+            <a:pPr marL="343080" indent="-341640">
               <a:lnSpc>
                 <a:spcPct val="120000"/>
               </a:lnSpc>
@@ -14550,7 +14565,7 @@
             </a:endParaRPr>
           </a:p>
           <a:p>
-            <a:pPr marL="343080" indent="-342360">
+            <a:pPr marL="343080" indent="-341640">
               <a:lnSpc>
                 <a:spcPct val="120000"/>
               </a:lnSpc>
@@ -14601,7 +14616,7 @@
         <p:spPr>
           <a:xfrm>
             <a:off x="144000" y="0"/>
-            <a:ext cx="8855280" cy="683280"/>
+            <a:ext cx="8854560" cy="682560"/>
           </a:xfrm>
           <a:prstGeom prst="rect">
             <a:avLst/>
@@ -14682,7 +14697,7 @@
         <p:spPr>
           <a:xfrm>
             <a:off x="342000" y="980640"/>
-            <a:ext cx="8459280" cy="5111280"/>
+            <a:ext cx="8458560" cy="5110560"/>
           </a:xfrm>
           <a:prstGeom prst="rect">
             <a:avLst/>
@@ -14703,7 +14718,7 @@
             <a:noAutofit/>
           </a:bodyPr>
           <a:p>
-            <a:pPr marL="343080" indent="-342360">
+            <a:pPr marL="343080" indent="-341640">
               <a:lnSpc>
                 <a:spcPct val="120000"/>
               </a:lnSpc>
@@ -14731,7 +14746,7 @@
             </a:endParaRPr>
           </a:p>
           <a:p>
-            <a:pPr marL="343080" indent="-342360">
+            <a:pPr marL="343080" indent="-341640">
               <a:lnSpc>
                 <a:spcPct val="120000"/>
               </a:lnSpc>
@@ -14759,7 +14774,7 @@
             </a:endParaRPr>
           </a:p>
           <a:p>
-            <a:pPr marL="343080" indent="-342360">
+            <a:pPr marL="343080" indent="-341640">
               <a:lnSpc>
                 <a:spcPct val="120000"/>
               </a:lnSpc>
@@ -14787,7 +14802,7 @@
             </a:endParaRPr>
           </a:p>
           <a:p>
-            <a:pPr marL="343080" indent="-342360">
+            <a:pPr marL="343080" indent="-341640">
               <a:lnSpc>
                 <a:spcPct val="120000"/>
               </a:lnSpc>
@@ -14815,7 +14830,7 @@
             </a:endParaRPr>
           </a:p>
           <a:p>
-            <a:pPr lvl="1" marL="743040" indent="-285120">
+            <a:pPr lvl="1" marL="743040" indent="-284400">
               <a:lnSpc>
                 <a:spcPct val="120000"/>
               </a:lnSpc>
@@ -14843,7 +14858,7 @@
             </a:endParaRPr>
           </a:p>
           <a:p>
-            <a:pPr lvl="1" marL="743040" indent="-285120">
+            <a:pPr lvl="1" marL="743040" indent="-284400">
               <a:lnSpc>
                 <a:spcPct val="120000"/>
               </a:lnSpc>
@@ -14881,7 +14896,7 @@
             </a:endParaRPr>
           </a:p>
           <a:p>
-            <a:pPr lvl="2" marL="1143000" indent="-227880">
+            <a:pPr lvl="2" marL="1143000" indent="-227160">
               <a:lnSpc>
                 <a:spcPct val="120000"/>
               </a:lnSpc>
@@ -14909,7 +14924,7 @@
             </a:endParaRPr>
           </a:p>
           <a:p>
-            <a:pPr lvl="2" marL="1143000" indent="-227880">
+            <a:pPr lvl="2" marL="1143000" indent="-227160">
               <a:lnSpc>
                 <a:spcPct val="120000"/>
               </a:lnSpc>
@@ -14937,7 +14952,7 @@
             </a:endParaRPr>
           </a:p>
           <a:p>
-            <a:pPr lvl="2" marL="1143000" indent="-227880">
+            <a:pPr lvl="2" marL="1143000" indent="-227160">
               <a:lnSpc>
                 <a:spcPct val="120000"/>
               </a:lnSpc>
@@ -14978,7 +14993,7 @@
             </a:endParaRPr>
           </a:p>
           <a:p>
-            <a:pPr marL="343080" indent="-342360">
+            <a:pPr marL="343080" indent="-341640">
               <a:lnSpc>
                 <a:spcPct val="120000"/>
               </a:lnSpc>
@@ -15016,7 +15031,7 @@
         <p:spPr>
           <a:xfrm>
             <a:off x="144000" y="0"/>
-            <a:ext cx="8855280" cy="683280"/>
+            <a:ext cx="8854560" cy="682560"/>
           </a:xfrm>
           <a:prstGeom prst="rect">
             <a:avLst/>
@@ -15097,7 +15112,7 @@
         <p:spPr>
           <a:xfrm>
             <a:off x="342000" y="980640"/>
-            <a:ext cx="8459280" cy="5111280"/>
+            <a:ext cx="8458560" cy="5110560"/>
           </a:xfrm>
           <a:prstGeom prst="rect">
             <a:avLst/>
@@ -15118,7 +15133,7 @@
             <a:noAutofit/>
           </a:bodyPr>
           <a:p>
-            <a:pPr marL="343080" indent="-342360">
+            <a:pPr marL="343080" indent="-341640">
               <a:lnSpc>
                 <a:spcPct val="120000"/>
               </a:lnSpc>
@@ -15146,7 +15161,7 @@
             </a:endParaRPr>
           </a:p>
           <a:p>
-            <a:pPr lvl="1" marL="743040" indent="-285120">
+            <a:pPr lvl="1" marL="743040" indent="-284400">
               <a:lnSpc>
                 <a:spcPct val="120000"/>
               </a:lnSpc>
@@ -15174,7 +15189,7 @@
             </a:endParaRPr>
           </a:p>
           <a:p>
-            <a:pPr lvl="1" marL="743040" indent="-285120">
+            <a:pPr lvl="1" marL="743040" indent="-284400">
               <a:lnSpc>
                 <a:spcPct val="120000"/>
               </a:lnSpc>
@@ -15222,7 +15237,7 @@
             </a:endParaRPr>
           </a:p>
           <a:p>
-            <a:pPr marL="343080" indent="-342360">
+            <a:pPr marL="343080" indent="-341640">
               <a:lnSpc>
                 <a:spcPct val="120000"/>
               </a:lnSpc>
@@ -15250,7 +15265,7 @@
             </a:endParaRPr>
           </a:p>
           <a:p>
-            <a:pPr lvl="1" marL="743040" indent="-285120">
+            <a:pPr lvl="1" marL="743040" indent="-284400">
               <a:lnSpc>
                 <a:spcPct val="120000"/>
               </a:lnSpc>
@@ -15288,7 +15303,7 @@
         <p:spPr>
           <a:xfrm>
             <a:off x="144000" y="0"/>
-            <a:ext cx="8855280" cy="683280"/>
+            <a:ext cx="8854560" cy="682560"/>
           </a:xfrm>
           <a:prstGeom prst="rect">
             <a:avLst/>
@@ -15369,7 +15384,7 @@
         <p:spPr>
           <a:xfrm>
             <a:off x="0" y="0"/>
-            <a:ext cx="9143280" cy="6857280"/>
+            <a:ext cx="9142560" cy="6856560"/>
           </a:xfrm>
           <a:prstGeom prst="rect">
             <a:avLst/>
@@ -15407,8 +15422,8 @@
         </p:nvSpPr>
         <p:spPr>
           <a:xfrm>
-            <a:off x="342000" y="684000"/>
-            <a:ext cx="8459280" cy="5407920"/>
+            <a:off x="0" y="360000"/>
+            <a:ext cx="9142560" cy="6406200"/>
           </a:xfrm>
           <a:prstGeom prst="rect">
             <a:avLst/>
@@ -15429,7 +15444,7 @@
             <a:normAutofit/>
           </a:bodyPr>
           <a:p>
-            <a:pPr marL="343080" indent="-342360">
+            <a:pPr marL="343080" indent="-341640">
               <a:lnSpc>
                 <a:spcPct val="120000"/>
               </a:lnSpc>
@@ -15443,7 +15458,7 @@
               <a:buChar char="•"/>
             </a:pPr>
             <a:r>
-              <a:rPr b="1" lang="en-US" sz="1600" spc="-1" strike="noStrike">
+              <a:rPr b="1" lang="en-US" sz="1000" spc="-1" strike="noStrike">
                 <a:solidFill>
                   <a:srgbClr val="000000"/>
                 </a:solidFill>
@@ -15453,7 +15468,7 @@
               <a:t>Report your results </a:t>
             </a:r>
             <a:r>
-              <a:rPr b="0" lang="en-US" sz="1600" spc="-1" strike="noStrike">
+              <a:rPr b="0" lang="en-US" sz="1000" spc="-1" strike="noStrike">
                 <a:solidFill>
                   <a:srgbClr val="000000"/>
                 </a:solidFill>
@@ -15462,12 +15477,12 @@
               </a:rPr>
               <a:t>on at least 12 different hyperparameter settings (on the test set)</a:t>
             </a:r>
-            <a:endParaRPr b="0" lang="en-US" sz="1600" spc="-1" strike="noStrike">
-              <a:latin typeface="Arial"/>
-            </a:endParaRPr>
-          </a:p>
-          <a:p>
-            <a:pPr marL="343080" indent="-342360">
+            <a:endParaRPr b="0" lang="en-US" sz="1000" spc="-1" strike="noStrike">
+              <a:latin typeface="Arial"/>
+            </a:endParaRPr>
+          </a:p>
+          <a:p>
+            <a:pPr marL="343080" indent="-341640">
               <a:lnSpc>
                 <a:spcPct val="120000"/>
               </a:lnSpc>
@@ -15481,7 +15496,7 @@
               <a:buChar char="•"/>
             </a:pPr>
             <a:r>
-              <a:rPr b="0" lang="en-US" sz="1600" spc="-1" strike="noStrike">
+              <a:rPr b="0" lang="en-US" sz="1000" spc="-1" strike="noStrike">
                 <a:solidFill>
                   <a:srgbClr val="000000"/>
                 </a:solidFill>
@@ -15490,55 +15505,1191 @@
               </a:rPr>
               <a:t>You can use tables, plots, or just text (any format you want).</a:t>
             </a:r>
-            <a:endParaRPr b="0" lang="en-US" sz="1600" spc="-1" strike="noStrike">
-              <a:latin typeface="Arial"/>
-            </a:endParaRPr>
-          </a:p>
-          <a:p>
-            <a:pPr marL="343080" indent="-342360">
+            <a:endParaRPr b="0" lang="en-US" sz="1000" spc="-1" strike="noStrike">
+              <a:latin typeface="Arial"/>
+            </a:endParaRPr>
+          </a:p>
+          <a:p>
+            <a:pPr>
               <a:lnSpc>
                 <a:spcPct val="120000"/>
               </a:lnSpc>
               <a:spcBef>
                 <a:spcPts val="320"/>
               </a:spcBef>
-              <a:buClr>
-                <a:srgbClr val="f1c10f"/>
-              </a:buClr>
-              <a:buFont typeface="Arial"/>
-              <a:buChar char="•"/>
-            </a:pPr>
-            <a:r>
-              <a:rPr b="0" lang="en-US" sz="1600" spc="-1" strike="noStrike">
-                <a:solidFill>
-                  <a:srgbClr val="000000"/>
-                </a:solidFill>
-                <a:latin typeface="Candara"/>
-                <a:ea typeface="함초롬돋움"/>
-              </a:rPr>
-              <a:t>USE </a:t>
-            </a:r>
-            <a:r>
-              <a:rPr b="1" lang="en-US" sz="1600" spc="-1" strike="noStrike">
-                <a:solidFill>
-                  <a:srgbClr val="ff0000"/>
-                </a:solidFill>
-                <a:latin typeface="Candara"/>
-                <a:ea typeface="함초롬돋움"/>
-              </a:rPr>
-              <a:t>THE 1 PAGE ONLY </a:t>
-            </a:r>
-            <a:r>
-              <a:rPr b="0" lang="en-US" sz="1600" spc="-1" strike="noStrike">
-                <a:solidFill>
-                  <a:srgbClr val="000000"/>
-                </a:solidFill>
-                <a:latin typeface="Candara"/>
-                <a:ea typeface="함초롬돋움"/>
-              </a:rPr>
-              <a:t>(NOT MORE THAN 1 PAGE)</a:t>
-            </a:r>
-            <a:endParaRPr b="0" lang="en-US" sz="1600" spc="-1" strike="noStrike">
+            </a:pPr>
+            <a:r>
+              <a:rPr b="0" lang="en-US" sz="600" spc="-1" strike="noStrike">
+                <a:solidFill>
+                  <a:srgbClr val="000000"/>
+                </a:solidFill>
+                <a:latin typeface="Candara"/>
+                <a:ea typeface="함초롬돋움"/>
+              </a:rPr>
+              <a:t>1. vocab_size": 1000,  "batch_size": 64, "eval_batch_size": 32, "lr": 0.0003, "warmup_steps": 2000, "logdir": "./log", "num_epochs": 10, "evaldir": "./eval", "d_model": 512, "d_ff": 2048, "num_blocks": 1, "num_heads": 8, "maxlen1": 100, "maxlen2": 100, "dropout_rate": 0.3, "smoothing": 0.1,  "test_batch_size": 128, "testdir": "./test".</a:t>
+            </a:r>
+            <a:endParaRPr b="0" lang="en-US" sz="600" spc="-1" strike="noStrike">
+              <a:latin typeface="Arial"/>
+            </a:endParaRPr>
+          </a:p>
+          <a:p>
+            <a:pPr>
+              <a:lnSpc>
+                <a:spcPct val="120000"/>
+              </a:lnSpc>
+              <a:spcBef>
+                <a:spcPts val="320"/>
+              </a:spcBef>
+            </a:pPr>
+            <a:r>
+              <a:rPr b="1" lang="en-US" sz="600" spc="-1" strike="noStrike">
+                <a:solidFill>
+                  <a:srgbClr val="000000"/>
+                </a:solidFill>
+                <a:latin typeface="Candara"/>
+                <a:ea typeface="함초롬돋움"/>
+              </a:rPr>
+              <a:t>bleu_score_report:  BLEU = 12.24, 39.2/17.2/8.2/4.1 (BP=0.997, ration=0.997)</a:t>
+            </a:r>
+            <a:endParaRPr b="0" lang="en-US" sz="600" spc="-1" strike="noStrike">
+              <a:latin typeface="Arial"/>
+            </a:endParaRPr>
+          </a:p>
+          <a:p>
+            <a:pPr>
+              <a:lnSpc>
+                <a:spcPct val="120000"/>
+              </a:lnSpc>
+              <a:spcBef>
+                <a:spcPts val="320"/>
+              </a:spcBef>
+            </a:pPr>
+            <a:r>
+              <a:rPr b="0" lang="en-US" sz="600" spc="-1" strike="noStrike">
+                <a:solidFill>
+                  <a:srgbClr val="000000"/>
+                </a:solidFill>
+                <a:latin typeface="Candara"/>
+                <a:ea typeface="함초롬돋움"/>
+              </a:rPr>
+              <a:t>2. vocab_size": 1000,  "batch_size": 64, "eval_batch_size": 32, "lr": 0.0003, "warmup_steps": 2000, "logdir": "./log", </a:t>
+            </a:r>
+            <a:r>
+              <a:rPr b="1" lang="en-US" sz="600" spc="-1" strike="noStrike">
+                <a:solidFill>
+                  <a:srgbClr val="000000"/>
+                </a:solidFill>
+                <a:latin typeface="Candara"/>
+                <a:ea typeface="함초롬돋움"/>
+              </a:rPr>
+              <a:t>"num_epochs": 5</a:t>
+            </a:r>
+            <a:r>
+              <a:rPr b="0" lang="en-US" sz="600" spc="-1" strike="noStrike">
+                <a:solidFill>
+                  <a:srgbClr val="000000"/>
+                </a:solidFill>
+                <a:latin typeface="Candara"/>
+                <a:ea typeface="함초롬돋움"/>
+              </a:rPr>
+              <a:t>, "evaldir": "./eval", "d_model": 512, "d_ff": 2048, "num_blocks": 1, "num_heads": 8, "maxlen1": 100, "maxlen2": 100, "dropout_rate": 0.3, "smoothing": 0.1,  "test_batch_size": 128, "testdir": "./test".</a:t>
+            </a:r>
+            <a:endParaRPr b="0" lang="en-US" sz="600" spc="-1" strike="noStrike">
+              <a:latin typeface="Arial"/>
+            </a:endParaRPr>
+          </a:p>
+          <a:p>
+            <a:pPr>
+              <a:lnSpc>
+                <a:spcPct val="120000"/>
+              </a:lnSpc>
+              <a:spcBef>
+                <a:spcPts val="320"/>
+              </a:spcBef>
+            </a:pPr>
+            <a:r>
+              <a:rPr b="1" lang="en-US" sz="600" spc="-1" strike="noStrike">
+                <a:solidFill>
+                  <a:srgbClr val="000000"/>
+                </a:solidFill>
+                <a:latin typeface="Candara"/>
+                <a:ea typeface="함초롬돋움"/>
+              </a:rPr>
+              <a:t>bleu_score_report:  BLEU = 9.80, 36.2/14.3/6.2/2.9 (BP=1.000, ration=1.015)</a:t>
+            </a:r>
+            <a:endParaRPr b="0" lang="en-US" sz="600" spc="-1" strike="noStrike">
+              <a:latin typeface="Arial"/>
+            </a:endParaRPr>
+          </a:p>
+          <a:p>
+            <a:pPr>
+              <a:lnSpc>
+                <a:spcPct val="120000"/>
+              </a:lnSpc>
+              <a:spcBef>
+                <a:spcPts val="320"/>
+              </a:spcBef>
+            </a:pPr>
+            <a:r>
+              <a:rPr b="0" lang="en-US" sz="600" spc="-1" strike="noStrike">
+                <a:solidFill>
+                  <a:srgbClr val="000000"/>
+                </a:solidFill>
+                <a:latin typeface="Candara"/>
+                <a:ea typeface="함초롬돋움"/>
+              </a:rPr>
+              <a:t>3. vocab_size": 1000,  </a:t>
+            </a:r>
+            <a:r>
+              <a:rPr b="1" lang="en-US" sz="600" spc="-1" strike="noStrike">
+                <a:solidFill>
+                  <a:srgbClr val="000000"/>
+                </a:solidFill>
+                <a:latin typeface="Candara"/>
+                <a:ea typeface="함초롬돋움"/>
+              </a:rPr>
+              <a:t>"batch_size": 128</a:t>
+            </a:r>
+            <a:r>
+              <a:rPr b="0" lang="en-US" sz="600" spc="-1" strike="noStrike">
+                <a:solidFill>
+                  <a:srgbClr val="000000"/>
+                </a:solidFill>
+                <a:latin typeface="Candara"/>
+                <a:ea typeface="함초롬돋움"/>
+              </a:rPr>
+              <a:t>, "eval_batch_size": 32, "lr": 0.0003, "warmup_steps": 2000, "logdir": "./log", </a:t>
+            </a:r>
+            <a:r>
+              <a:rPr b="1" lang="en-US" sz="600" spc="-1" strike="noStrike">
+                <a:solidFill>
+                  <a:srgbClr val="000000"/>
+                </a:solidFill>
+                <a:latin typeface="Candara"/>
+                <a:ea typeface="함초롬돋움"/>
+              </a:rPr>
+              <a:t>"num_epochs": 10</a:t>
+            </a:r>
+            <a:r>
+              <a:rPr b="0" lang="en-US" sz="600" spc="-1" strike="noStrike">
+                <a:solidFill>
+                  <a:srgbClr val="000000"/>
+                </a:solidFill>
+                <a:latin typeface="Candara"/>
+                <a:ea typeface="함초롬돋움"/>
+              </a:rPr>
+              <a:t>, "evaldir": "./eval", "d_model": 512, "d_ff": 2048, "num_blocks": 1, "num_heads": 8, "maxlen1": 100, "maxlen2": 100, "dropout_rate": 0.3, "smoothing": 0.1,  "test_batch_size": 128, "testdir": "./test".</a:t>
+            </a:r>
+            <a:endParaRPr b="0" lang="en-US" sz="600" spc="-1" strike="noStrike">
+              <a:latin typeface="Arial"/>
+            </a:endParaRPr>
+          </a:p>
+          <a:p>
+            <a:pPr>
+              <a:lnSpc>
+                <a:spcPct val="120000"/>
+              </a:lnSpc>
+              <a:spcBef>
+                <a:spcPts val="320"/>
+              </a:spcBef>
+            </a:pPr>
+            <a:r>
+              <a:rPr b="1" lang="en-US" sz="600" spc="-1" strike="noStrike">
+                <a:solidFill>
+                  <a:srgbClr val="000000"/>
+                </a:solidFill>
+                <a:latin typeface="Candara"/>
+                <a:ea typeface="함초롬돋움"/>
+              </a:rPr>
+              <a:t>bleu_score_report:  BLEU = 11.63, 38.6/16.5/7.7/3.7 (BP=1.000, ration=1.014)</a:t>
+            </a:r>
+            <a:endParaRPr b="0" lang="en-US" sz="600" spc="-1" strike="noStrike">
+              <a:latin typeface="Arial"/>
+            </a:endParaRPr>
+          </a:p>
+          <a:p>
+            <a:pPr>
+              <a:lnSpc>
+                <a:spcPct val="120000"/>
+              </a:lnSpc>
+              <a:spcBef>
+                <a:spcPts val="320"/>
+              </a:spcBef>
+            </a:pPr>
+            <a:r>
+              <a:rPr b="0" lang="en-US" sz="600" spc="-1" strike="noStrike">
+                <a:solidFill>
+                  <a:srgbClr val="000000"/>
+                </a:solidFill>
+                <a:latin typeface="Candara"/>
+                <a:ea typeface="함초롬돋움"/>
+              </a:rPr>
+              <a:t>4. vocab_size": 1000,  </a:t>
+            </a:r>
+            <a:r>
+              <a:rPr b="1" lang="en-US" sz="600" spc="-1" strike="noStrike">
+                <a:solidFill>
+                  <a:srgbClr val="000000"/>
+                </a:solidFill>
+                <a:latin typeface="Candara"/>
+                <a:ea typeface="함초롬돋움"/>
+              </a:rPr>
+              <a:t>"batch_size": 64</a:t>
+            </a:r>
+            <a:r>
+              <a:rPr b="0" lang="en-US" sz="600" spc="-1" strike="noStrike">
+                <a:solidFill>
+                  <a:srgbClr val="000000"/>
+                </a:solidFill>
+                <a:latin typeface="Candara"/>
+                <a:ea typeface="함초롬돋움"/>
+              </a:rPr>
+              <a:t>, "eval_batch_size": 32, </a:t>
+            </a:r>
+            <a:r>
+              <a:rPr b="1" lang="en-US" sz="600" spc="-1" strike="noStrike">
+                <a:solidFill>
+                  <a:srgbClr val="000000"/>
+                </a:solidFill>
+                <a:latin typeface="Candara"/>
+                <a:ea typeface="함초롬돋움"/>
+              </a:rPr>
+              <a:t>"lr": 0.001</a:t>
+            </a:r>
+            <a:r>
+              <a:rPr b="0" lang="en-US" sz="600" spc="-1" strike="noStrike">
+                <a:solidFill>
+                  <a:srgbClr val="000000"/>
+                </a:solidFill>
+                <a:latin typeface="Candara"/>
+                <a:ea typeface="함초롬돋움"/>
+              </a:rPr>
+              <a:t>, "warmup_steps": 2000, "logdir": "./log",</a:t>
+            </a:r>
+            <a:r>
+              <a:rPr b="1" lang="en-US" sz="600" spc="-1" strike="noStrike">
+                <a:solidFill>
+                  <a:srgbClr val="000000"/>
+                </a:solidFill>
+                <a:latin typeface="Candara"/>
+                <a:ea typeface="함초롬돋움"/>
+              </a:rPr>
+              <a:t> "num_epochs": 10,</a:t>
+            </a:r>
+            <a:r>
+              <a:rPr b="0" lang="en-US" sz="600" spc="-1" strike="noStrike">
+                <a:solidFill>
+                  <a:srgbClr val="000000"/>
+                </a:solidFill>
+                <a:latin typeface="Candara"/>
+                <a:ea typeface="함초롬돋움"/>
+              </a:rPr>
+              <a:t> "evaldir": "./eval", "d_model": 512, "d_ff": 2048, "num_blocks": 1, "num_heads": 8, "maxlen1": 100, "maxlen2": 100, "dropout_rate": 0.3, "smoothing": 0.1,  "test_batch_size": 128, "testdir": "./test".</a:t>
+            </a:r>
+            <a:endParaRPr b="0" lang="en-US" sz="600" spc="-1" strike="noStrike">
+              <a:latin typeface="Arial"/>
+            </a:endParaRPr>
+          </a:p>
+          <a:p>
+            <a:pPr>
+              <a:lnSpc>
+                <a:spcPct val="120000"/>
+              </a:lnSpc>
+              <a:spcBef>
+                <a:spcPts val="320"/>
+              </a:spcBef>
+            </a:pPr>
+            <a:r>
+              <a:rPr b="1" lang="en-US" sz="600" spc="-1" strike="noStrike">
+                <a:solidFill>
+                  <a:srgbClr val="000000"/>
+                </a:solidFill>
+                <a:latin typeface="Candara"/>
+                <a:ea typeface="함초롬돋움"/>
+              </a:rPr>
+              <a:t>bleu_score_report:  BLEU = 12.87, 39.6/17.9/8.8/4.4 (BP=1.000, ration=1.007)</a:t>
+            </a:r>
+            <a:endParaRPr b="0" lang="en-US" sz="600" spc="-1" strike="noStrike">
+              <a:latin typeface="Arial"/>
+            </a:endParaRPr>
+          </a:p>
+          <a:p>
+            <a:pPr>
+              <a:lnSpc>
+                <a:spcPct val="120000"/>
+              </a:lnSpc>
+              <a:spcBef>
+                <a:spcPts val="320"/>
+              </a:spcBef>
+            </a:pPr>
+            <a:r>
+              <a:rPr b="0" lang="en-US" sz="600" spc="-1" strike="noStrike">
+                <a:solidFill>
+                  <a:srgbClr val="000000"/>
+                </a:solidFill>
+                <a:latin typeface="Candara"/>
+                <a:ea typeface="함초롬돋움"/>
+              </a:rPr>
+              <a:t>5. vocab_size": 1000,  </a:t>
+            </a:r>
+            <a:r>
+              <a:rPr b="1" lang="en-US" sz="600" spc="-1" strike="noStrike">
+                <a:solidFill>
+                  <a:srgbClr val="000000"/>
+                </a:solidFill>
+                <a:latin typeface="Candara"/>
+                <a:ea typeface="함초롬돋움"/>
+              </a:rPr>
+              <a:t>"batch_size": 32</a:t>
+            </a:r>
+            <a:r>
+              <a:rPr b="0" lang="en-US" sz="600" spc="-1" strike="noStrike">
+                <a:solidFill>
+                  <a:srgbClr val="000000"/>
+                </a:solidFill>
+                <a:latin typeface="Candara"/>
+                <a:ea typeface="함초롬돋움"/>
+              </a:rPr>
+              <a:t>, "eval_batch_size": 32, </a:t>
+            </a:r>
+            <a:r>
+              <a:rPr b="1" lang="en-US" sz="600" spc="-1" strike="noStrike">
+                <a:solidFill>
+                  <a:srgbClr val="000000"/>
+                </a:solidFill>
+                <a:latin typeface="Candara"/>
+                <a:ea typeface="함초롬돋움"/>
+              </a:rPr>
+              <a:t>"lr": 0.001</a:t>
+            </a:r>
+            <a:r>
+              <a:rPr b="0" lang="en-US" sz="600" spc="-1" strike="noStrike">
+                <a:solidFill>
+                  <a:srgbClr val="000000"/>
+                </a:solidFill>
+                <a:latin typeface="Candara"/>
+                <a:ea typeface="함초롬돋움"/>
+              </a:rPr>
+              <a:t>, "warmup_steps": 2000, "logdir": "./log", "num_epochs": 10, "evaldir": "./eval", "d_model": 512, "d_ff": 2048, "num_blocks": 1, "num_heads": 8, "maxlen1": 100, "maxlen2": 100, "dropout_rate": 0.3, "smoothing": 0.1,  "test_batch_size": 128, "testdir": "./test".</a:t>
+            </a:r>
+            <a:endParaRPr b="0" lang="en-US" sz="600" spc="-1" strike="noStrike">
+              <a:latin typeface="Arial"/>
+            </a:endParaRPr>
+          </a:p>
+          <a:p>
+            <a:pPr>
+              <a:lnSpc>
+                <a:spcPct val="120000"/>
+              </a:lnSpc>
+              <a:spcBef>
+                <a:spcPts val="320"/>
+              </a:spcBef>
+            </a:pPr>
+            <a:r>
+              <a:rPr b="1" lang="en-US" sz="600" spc="-1" strike="noStrike">
+                <a:solidFill>
+                  <a:srgbClr val="000000"/>
+                </a:solidFill>
+                <a:latin typeface="Candara"/>
+                <a:ea typeface="함초롬돋움"/>
+              </a:rPr>
+              <a:t>bleu_score_report:  BLEU = 11.36, 37.8/16.2/7.5/3.6 (BP=1.000, ration=1.002</a:t>
+            </a:r>
+            <a:endParaRPr b="0" lang="en-US" sz="600" spc="-1" strike="noStrike">
+              <a:latin typeface="Arial"/>
+            </a:endParaRPr>
+          </a:p>
+          <a:p>
+            <a:pPr>
+              <a:lnSpc>
+                <a:spcPct val="120000"/>
+              </a:lnSpc>
+              <a:spcBef>
+                <a:spcPts val="320"/>
+              </a:spcBef>
+            </a:pPr>
+            <a:r>
+              <a:rPr b="0" lang="en-US" sz="600" spc="-1" strike="noStrike">
+                <a:solidFill>
+                  <a:srgbClr val="000000"/>
+                </a:solidFill>
+                <a:latin typeface="Candara"/>
+                <a:ea typeface="함초롬돋움"/>
+              </a:rPr>
+              <a:t>6. vocab_size": 1000,  </a:t>
+            </a:r>
+            <a:r>
+              <a:rPr b="1" lang="en-US" sz="600" spc="-1" strike="noStrike">
+                <a:solidFill>
+                  <a:srgbClr val="000000"/>
+                </a:solidFill>
+                <a:latin typeface="Candara"/>
+                <a:ea typeface="함초롬돋움"/>
+              </a:rPr>
+              <a:t>"batch_size": 64</a:t>
+            </a:r>
+            <a:r>
+              <a:rPr b="0" lang="en-US" sz="600" spc="-1" strike="noStrike">
+                <a:solidFill>
+                  <a:srgbClr val="000000"/>
+                </a:solidFill>
+                <a:latin typeface="Candara"/>
+                <a:ea typeface="함초롬돋움"/>
+              </a:rPr>
+              <a:t>, "eval_batch_size": 32, </a:t>
+            </a:r>
+            <a:r>
+              <a:rPr b="1" lang="en-US" sz="600" spc="-1" strike="noStrike">
+                <a:solidFill>
+                  <a:srgbClr val="000000"/>
+                </a:solidFill>
+                <a:latin typeface="Candara"/>
+                <a:ea typeface="함초롬돋움"/>
+              </a:rPr>
+              <a:t>"lr": 0.001</a:t>
+            </a:r>
+            <a:r>
+              <a:rPr b="0" lang="en-US" sz="600" spc="-1" strike="noStrike">
+                <a:solidFill>
+                  <a:srgbClr val="000000"/>
+                </a:solidFill>
+                <a:latin typeface="Candara"/>
+                <a:ea typeface="함초롬돋움"/>
+              </a:rPr>
+              <a:t>, "warmup_steps": 2000, "logdir": "./log", "num_epochs": 10, "evaldir": "./eval", "d_model": 512, "d_ff": 2048, "num_blocks": 1, </a:t>
+            </a:r>
+            <a:r>
+              <a:rPr b="1" lang="en-US" sz="600" spc="-1" strike="noStrike">
+                <a:solidFill>
+                  <a:srgbClr val="000000"/>
+                </a:solidFill>
+                <a:latin typeface="Candara"/>
+                <a:ea typeface="함초롬돋움"/>
+              </a:rPr>
+              <a:t>"num_heads": 4</a:t>
+            </a:r>
+            <a:r>
+              <a:rPr b="0" lang="en-US" sz="600" spc="-1" strike="noStrike">
+                <a:solidFill>
+                  <a:srgbClr val="000000"/>
+                </a:solidFill>
+                <a:latin typeface="Candara"/>
+                <a:ea typeface="함초롬돋움"/>
+              </a:rPr>
+              <a:t>, "maxlen1": 100, "maxlen2": 100, "dropout_rate": 0.3, "smoothing": 0.1,  "test_batch_size": 128, "testdir": "./test".</a:t>
+            </a:r>
+            <a:endParaRPr b="0" lang="en-US" sz="600" spc="-1" strike="noStrike">
+              <a:latin typeface="Arial"/>
+            </a:endParaRPr>
+          </a:p>
+          <a:p>
+            <a:pPr>
+              <a:lnSpc>
+                <a:spcPct val="120000"/>
+              </a:lnSpc>
+              <a:spcBef>
+                <a:spcPts val="320"/>
+              </a:spcBef>
+            </a:pPr>
+            <a:r>
+              <a:rPr b="1" lang="en-US" sz="600" spc="-1" strike="noStrike">
+                <a:solidFill>
+                  <a:srgbClr val="000000"/>
+                </a:solidFill>
+                <a:latin typeface="Candara"/>
+                <a:ea typeface="함초롬돋움"/>
+              </a:rPr>
+              <a:t>bleu_score_report:  BLEU = 11.94, 38.6/17.0/8.1/3.8 (BP=1.000, ration=1.010)</a:t>
+            </a:r>
+            <a:endParaRPr b="0" lang="en-US" sz="600" spc="-1" strike="noStrike">
+              <a:latin typeface="Arial"/>
+            </a:endParaRPr>
+          </a:p>
+          <a:p>
+            <a:pPr>
+              <a:lnSpc>
+                <a:spcPct val="120000"/>
+              </a:lnSpc>
+              <a:spcBef>
+                <a:spcPts val="320"/>
+              </a:spcBef>
+            </a:pPr>
+            <a:r>
+              <a:rPr b="0" lang="en-US" sz="600" spc="-1" strike="noStrike">
+                <a:solidFill>
+                  <a:srgbClr val="000000"/>
+                </a:solidFill>
+                <a:latin typeface="Candara"/>
+                <a:ea typeface="함초롬돋움"/>
+              </a:rPr>
+              <a:t>7. vocab_size": 1000,  </a:t>
+            </a:r>
+            <a:r>
+              <a:rPr b="1" lang="en-US" sz="600" spc="-1" strike="noStrike">
+                <a:solidFill>
+                  <a:srgbClr val="000000"/>
+                </a:solidFill>
+                <a:latin typeface="Candara"/>
+                <a:ea typeface="함초롬돋움"/>
+              </a:rPr>
+              <a:t>"batch_size": 32</a:t>
+            </a:r>
+            <a:r>
+              <a:rPr b="0" lang="en-US" sz="600" spc="-1" strike="noStrike">
+                <a:solidFill>
+                  <a:srgbClr val="000000"/>
+                </a:solidFill>
+                <a:latin typeface="Candara"/>
+                <a:ea typeface="함초롬돋움"/>
+              </a:rPr>
+              <a:t>, "eval_batch_size": 32, "lr": 0.0003, "warmup_steps": 2000, "logdir": "./log", "num_epochs": 10, "evaldir": "./eval", "d_model": 512, "d_ff": 2048, </a:t>
+            </a:r>
+            <a:r>
+              <a:rPr b="1" lang="en-US" sz="600" spc="-1" strike="noStrike">
+                <a:solidFill>
+                  <a:srgbClr val="000000"/>
+                </a:solidFill>
+                <a:latin typeface="Candara"/>
+                <a:ea typeface="함초롬돋움"/>
+              </a:rPr>
+              <a:t>"num_blocks": 2, "num_heads": 4</a:t>
+            </a:r>
+            <a:r>
+              <a:rPr b="0" lang="en-US" sz="600" spc="-1" strike="noStrike">
+                <a:solidFill>
+                  <a:srgbClr val="000000"/>
+                </a:solidFill>
+                <a:latin typeface="Candara"/>
+                <a:ea typeface="함초롬돋움"/>
+              </a:rPr>
+              <a:t>, "maxlen1": 100, "maxlen2": 100, "dropout_rate": 0.3, "smoothing": 0.1,  "test_batch_size": 128, "testdir": "./test".</a:t>
+            </a:r>
+            <a:endParaRPr b="0" lang="en-US" sz="600" spc="-1" strike="noStrike">
+              <a:latin typeface="Arial"/>
+            </a:endParaRPr>
+          </a:p>
+          <a:p>
+            <a:pPr>
+              <a:lnSpc>
+                <a:spcPct val="120000"/>
+              </a:lnSpc>
+              <a:spcBef>
+                <a:spcPts val="320"/>
+              </a:spcBef>
+            </a:pPr>
+            <a:r>
+              <a:rPr b="1" lang="en-US" sz="600" spc="-1" strike="noStrike">
+                <a:solidFill>
+                  <a:srgbClr val="000000"/>
+                </a:solidFill>
+                <a:latin typeface="Candara"/>
+                <a:ea typeface="함초롬돋움"/>
+              </a:rPr>
+              <a:t>bleu_score_report:  BLEU = 14.20, 44.7/20.9/10.5/5.4 (BP=0.936, ration=0.938)</a:t>
+            </a:r>
+            <a:endParaRPr b="0" lang="en-US" sz="600" spc="-1" strike="noStrike">
+              <a:latin typeface="Arial"/>
+            </a:endParaRPr>
+          </a:p>
+          <a:p>
+            <a:pPr>
+              <a:lnSpc>
+                <a:spcPct val="120000"/>
+              </a:lnSpc>
+              <a:spcBef>
+                <a:spcPts val="320"/>
+              </a:spcBef>
+            </a:pPr>
+            <a:r>
+              <a:rPr b="0" lang="en-US" sz="600" spc="-1" strike="noStrike">
+                <a:solidFill>
+                  <a:srgbClr val="000000"/>
+                </a:solidFill>
+                <a:latin typeface="Candara"/>
+                <a:ea typeface="함초롬돋움"/>
+              </a:rPr>
+              <a:t>8. vocab_size": 1000,  </a:t>
+            </a:r>
+            <a:r>
+              <a:rPr b="1" lang="en-US" sz="600" spc="-1" strike="noStrike">
+                <a:solidFill>
+                  <a:srgbClr val="000000"/>
+                </a:solidFill>
+                <a:latin typeface="Candara"/>
+                <a:ea typeface="함초롬돋움"/>
+              </a:rPr>
+              <a:t>"batch_size": 32</a:t>
+            </a:r>
+            <a:r>
+              <a:rPr b="0" lang="en-US" sz="600" spc="-1" strike="noStrike">
+                <a:solidFill>
+                  <a:srgbClr val="000000"/>
+                </a:solidFill>
+                <a:latin typeface="Candara"/>
+                <a:ea typeface="함초롬돋움"/>
+              </a:rPr>
+              <a:t>, "eval_batch_size": 32, "lr": 0.0003, "warmup_steps": 2000, "logdir": "./log", "num_epochs": 10, "evaldir": "./eval", "d_model": 512, "d_ff": 2048, </a:t>
+            </a:r>
+            <a:r>
+              <a:rPr b="1" lang="en-US" sz="600" spc="-1" strike="noStrike">
+                <a:solidFill>
+                  <a:srgbClr val="000000"/>
+                </a:solidFill>
+                <a:latin typeface="Candara"/>
+                <a:ea typeface="함초롬돋움"/>
+              </a:rPr>
+              <a:t>"num_blocks": 2, "num_heads": 16</a:t>
+            </a:r>
+            <a:r>
+              <a:rPr b="0" lang="en-US" sz="600" spc="-1" strike="noStrike">
+                <a:solidFill>
+                  <a:srgbClr val="000000"/>
+                </a:solidFill>
+                <a:latin typeface="Candara"/>
+                <a:ea typeface="함초롬돋움"/>
+              </a:rPr>
+              <a:t>, "maxlen1": 100, "maxlen2": 100, "dropout_rate": 0.3, "smoothing": 0.1,  "test_batch_size": 128, "testdir": "./test".</a:t>
+            </a:r>
+            <a:endParaRPr b="0" lang="en-US" sz="600" spc="-1" strike="noStrike">
+              <a:latin typeface="Arial"/>
+            </a:endParaRPr>
+          </a:p>
+          <a:p>
+            <a:pPr>
+              <a:lnSpc>
+                <a:spcPct val="120000"/>
+              </a:lnSpc>
+              <a:spcBef>
+                <a:spcPts val="320"/>
+              </a:spcBef>
+            </a:pPr>
+            <a:r>
+              <a:rPr b="1" lang="en-US" sz="600" spc="-1" strike="noStrike">
+                <a:solidFill>
+                  <a:srgbClr val="000000"/>
+                </a:solidFill>
+                <a:latin typeface="Candara"/>
+                <a:ea typeface="함초롬돋움"/>
+              </a:rPr>
+              <a:t>bleu_score_report:  BLEU = 13.36, 44.4/20.1/9.7/5.0 (BP=0.925, ration=0.927)</a:t>
+            </a:r>
+            <a:endParaRPr b="0" lang="en-US" sz="600" spc="-1" strike="noStrike">
+              <a:latin typeface="Arial"/>
+            </a:endParaRPr>
+          </a:p>
+          <a:p>
+            <a:pPr>
+              <a:lnSpc>
+                <a:spcPct val="120000"/>
+              </a:lnSpc>
+              <a:spcBef>
+                <a:spcPts val="320"/>
+              </a:spcBef>
+            </a:pPr>
+            <a:r>
+              <a:rPr b="0" lang="en-US" sz="600" spc="-1" strike="noStrike">
+                <a:solidFill>
+                  <a:srgbClr val="000000"/>
+                </a:solidFill>
+                <a:latin typeface="Candara"/>
+                <a:ea typeface="함초롬돋움"/>
+              </a:rPr>
+              <a:t>9. vocab_size": 1000,  </a:t>
+            </a:r>
+            <a:r>
+              <a:rPr b="1" lang="en-US" sz="600" spc="-1" strike="noStrike">
+                <a:solidFill>
+                  <a:srgbClr val="000000"/>
+                </a:solidFill>
+                <a:latin typeface="Candara"/>
+                <a:ea typeface="함초롬돋움"/>
+              </a:rPr>
+              <a:t>"batch_size": 32</a:t>
+            </a:r>
+            <a:r>
+              <a:rPr b="0" lang="en-US" sz="600" spc="-1" strike="noStrike">
+                <a:solidFill>
+                  <a:srgbClr val="000000"/>
+                </a:solidFill>
+                <a:latin typeface="Candara"/>
+                <a:ea typeface="함초롬돋움"/>
+              </a:rPr>
+              <a:t>, "eval_batch_size": 32, "lr": 0.0003, "warmup_steps": 2000, "logdir": "./log", "num_epochs": 10, "evaldir": "./eval", "d_model": 512, "d_ff": 2048, </a:t>
+            </a:r>
+            <a:r>
+              <a:rPr b="1" lang="en-US" sz="600" spc="-1" strike="noStrike">
+                <a:solidFill>
+                  <a:srgbClr val="000000"/>
+                </a:solidFill>
+                <a:latin typeface="Candara"/>
+                <a:ea typeface="함초롬돋움"/>
+              </a:rPr>
+              <a:t>"num_blocks": 2, "num_heads": 8,</a:t>
+            </a:r>
+            <a:r>
+              <a:rPr b="0" lang="en-US" sz="600" spc="-1" strike="noStrike">
+                <a:solidFill>
+                  <a:srgbClr val="000000"/>
+                </a:solidFill>
+                <a:latin typeface="Candara"/>
+                <a:ea typeface="함초롬돋움"/>
+              </a:rPr>
+              <a:t> "maxlen1": 100, "maxlen2": 100, "dropout_rate": 0.3, "smoothing": 0.1,  "test_batch_size": 128, "testdir": "./test".</a:t>
+            </a:r>
+            <a:endParaRPr b="0" lang="en-US" sz="600" spc="-1" strike="noStrike">
+              <a:latin typeface="Arial"/>
+            </a:endParaRPr>
+          </a:p>
+          <a:p>
+            <a:pPr>
+              <a:lnSpc>
+                <a:spcPct val="120000"/>
+              </a:lnSpc>
+              <a:spcBef>
+                <a:spcPts val="320"/>
+              </a:spcBef>
+            </a:pPr>
+            <a:r>
+              <a:rPr b="1" lang="en-US" sz="600" spc="-1" strike="noStrike">
+                <a:solidFill>
+                  <a:srgbClr val="000000"/>
+                </a:solidFill>
+                <a:latin typeface="Candara"/>
+                <a:ea typeface="함초롬돋움"/>
+              </a:rPr>
+              <a:t>bleu_score_report:  BLEU = 14.24, 46.3/21.5/10.8/5.7 (BP=0.903, ration=0.908)</a:t>
+            </a:r>
+            <a:endParaRPr b="0" lang="en-US" sz="600" spc="-1" strike="noStrike">
+              <a:latin typeface="Arial"/>
+            </a:endParaRPr>
+          </a:p>
+          <a:p>
+            <a:pPr>
+              <a:lnSpc>
+                <a:spcPct val="120000"/>
+              </a:lnSpc>
+              <a:spcBef>
+                <a:spcPts val="320"/>
+              </a:spcBef>
+            </a:pPr>
+            <a:r>
+              <a:rPr b="0" lang="en-US" sz="600" spc="-1" strike="noStrike">
+                <a:solidFill>
+                  <a:srgbClr val="000000"/>
+                </a:solidFill>
+                <a:latin typeface="Candara"/>
+                <a:ea typeface="함초롬돋움"/>
+              </a:rPr>
+              <a:t>10. vocab_size": 1000,  </a:t>
+            </a:r>
+            <a:r>
+              <a:rPr b="1" lang="en-US" sz="600" spc="-1" strike="noStrike">
+                <a:solidFill>
+                  <a:srgbClr val="000000"/>
+                </a:solidFill>
+                <a:latin typeface="Candara"/>
+                <a:ea typeface="함초롬돋움"/>
+              </a:rPr>
+              <a:t>"batch_size": 64</a:t>
+            </a:r>
+            <a:r>
+              <a:rPr b="0" lang="en-US" sz="600" spc="-1" strike="noStrike">
+                <a:solidFill>
+                  <a:srgbClr val="000000"/>
+                </a:solidFill>
+                <a:latin typeface="Candara"/>
+                <a:ea typeface="함초롬돋움"/>
+              </a:rPr>
+              <a:t>, "eval_batch_size": 32, "lr": 0.0003, "warmup_steps": 2000, "logdir": "./log", "num_epochs": 10, "evaldir": "./eval", "d_model": 512, "d_ff": 2048, </a:t>
+            </a:r>
+            <a:r>
+              <a:rPr b="1" lang="en-US" sz="600" spc="-1" strike="noStrike">
+                <a:solidFill>
+                  <a:srgbClr val="000000"/>
+                </a:solidFill>
+                <a:latin typeface="Candara"/>
+                <a:ea typeface="함초롬돋움"/>
+              </a:rPr>
+              <a:t>"num_blocks": 2, "num_heads": 4</a:t>
+            </a:r>
+            <a:r>
+              <a:rPr b="0" lang="en-US" sz="600" spc="-1" strike="noStrike">
+                <a:solidFill>
+                  <a:srgbClr val="000000"/>
+                </a:solidFill>
+                <a:latin typeface="Candara"/>
+                <a:ea typeface="함초롬돋움"/>
+              </a:rPr>
+              <a:t>, "maxlen1": 100, "maxlen2": 100, "dropout_rate": 0.3, "smoothing": 0.1,  "test_batch_size": 128, "testdir": "./test".</a:t>
+            </a:r>
+            <a:endParaRPr b="0" lang="en-US" sz="600" spc="-1" strike="noStrike">
+              <a:latin typeface="Arial"/>
+            </a:endParaRPr>
+          </a:p>
+          <a:p>
+            <a:pPr>
+              <a:lnSpc>
+                <a:spcPct val="120000"/>
+              </a:lnSpc>
+              <a:spcBef>
+                <a:spcPts val="320"/>
+              </a:spcBef>
+            </a:pPr>
+            <a:r>
+              <a:rPr b="1" lang="en-US" sz="600" spc="-1" strike="noStrike">
+                <a:solidFill>
+                  <a:srgbClr val="000000"/>
+                </a:solidFill>
+                <a:latin typeface="Candara"/>
+                <a:ea typeface="함초롬돋움"/>
+              </a:rPr>
+              <a:t>bleu_score_report:  BLEU = 14.14, 45.3/21.0/10.4/5.5 (BP=0.925, ration=0.928)</a:t>
+            </a:r>
+            <a:endParaRPr b="0" lang="en-US" sz="600" spc="-1" strike="noStrike">
+              <a:latin typeface="Arial"/>
+            </a:endParaRPr>
+          </a:p>
+          <a:p>
+            <a:pPr>
+              <a:lnSpc>
+                <a:spcPct val="120000"/>
+              </a:lnSpc>
+              <a:spcBef>
+                <a:spcPts val="320"/>
+              </a:spcBef>
+            </a:pPr>
+            <a:r>
+              <a:rPr b="0" lang="en-US" sz="600" spc="-1" strike="noStrike">
+                <a:solidFill>
+                  <a:srgbClr val="000000"/>
+                </a:solidFill>
+                <a:latin typeface="Candara"/>
+                <a:ea typeface="함초롬돋움"/>
+              </a:rPr>
+              <a:t>11. vocab_size": 1000,  </a:t>
+            </a:r>
+            <a:r>
+              <a:rPr b="1" lang="en-US" sz="600" spc="-1" strike="noStrike">
+                <a:solidFill>
+                  <a:srgbClr val="000000"/>
+                </a:solidFill>
+                <a:latin typeface="Candara"/>
+                <a:ea typeface="함초롬돋움"/>
+              </a:rPr>
+              <a:t>"batch_size": 32,</a:t>
+            </a:r>
+            <a:r>
+              <a:rPr b="0" lang="en-US" sz="600" spc="-1" strike="noStrike">
+                <a:solidFill>
+                  <a:srgbClr val="000000"/>
+                </a:solidFill>
+                <a:latin typeface="Candara"/>
+                <a:ea typeface="함초롬돋움"/>
+              </a:rPr>
+              <a:t> "eval_batch_size": 32, "lr": 0.0003, "warmup_steps": 2000, "logdir": "./log", "num_epochs": 10, "evaldir": "./eval", "d_model": 512, "d_ff": 2048, </a:t>
+            </a:r>
+            <a:r>
+              <a:rPr b="1" lang="en-US" sz="600" spc="-1" strike="noStrike">
+                <a:solidFill>
+                  <a:srgbClr val="000000"/>
+                </a:solidFill>
+                <a:latin typeface="Candara"/>
+                <a:ea typeface="함초롬돋움"/>
+              </a:rPr>
+              <a:t>"num_blocks": 3, "num_heads": 8</a:t>
+            </a:r>
+            <a:r>
+              <a:rPr b="0" lang="en-US" sz="600" spc="-1" strike="noStrike">
+                <a:solidFill>
+                  <a:srgbClr val="000000"/>
+                </a:solidFill>
+                <a:latin typeface="Candara"/>
+                <a:ea typeface="함초롬돋움"/>
+              </a:rPr>
+              <a:t>, "maxlen1": 100, "maxlen2": 100, "dropout_rate": 0.3, "smoothing": 0.1,  "test_batch_size": 128, "testdir": "./test".</a:t>
+            </a:r>
+            <a:endParaRPr b="0" lang="en-US" sz="600" spc="-1" strike="noStrike">
+              <a:latin typeface="Arial"/>
+            </a:endParaRPr>
+          </a:p>
+          <a:p>
+            <a:pPr>
+              <a:lnSpc>
+                <a:spcPct val="120000"/>
+              </a:lnSpc>
+              <a:spcBef>
+                <a:spcPts val="320"/>
+              </a:spcBef>
+            </a:pPr>
+            <a:r>
+              <a:rPr b="1" lang="en-US" sz="600" spc="-1" strike="noStrike">
+                <a:solidFill>
+                  <a:srgbClr val="000000"/>
+                </a:solidFill>
+                <a:latin typeface="Candara"/>
+                <a:ea typeface="함초롬돋움"/>
+              </a:rPr>
+              <a:t>bleu_score_report:  BLEU = 15.51, 47.1/22.7/11.9/6.6 (BP=0.910, ration=0.914)</a:t>
+            </a:r>
+            <a:endParaRPr b="0" lang="en-US" sz="600" spc="-1" strike="noStrike">
+              <a:latin typeface="Arial"/>
+            </a:endParaRPr>
+          </a:p>
+          <a:p>
+            <a:pPr>
+              <a:lnSpc>
+                <a:spcPct val="120000"/>
+              </a:lnSpc>
+              <a:spcBef>
+                <a:spcPts val="320"/>
+              </a:spcBef>
+            </a:pPr>
+            <a:r>
+              <a:rPr b="0" lang="en-US" sz="600" spc="-1" strike="noStrike">
+                <a:solidFill>
+                  <a:srgbClr val="000000"/>
+                </a:solidFill>
+                <a:latin typeface="Candara"/>
+                <a:ea typeface="함초롬돋움"/>
+              </a:rPr>
+              <a:t>12. vocab_size": 1000,  </a:t>
+            </a:r>
+            <a:r>
+              <a:rPr b="1" lang="en-US" sz="600" spc="-1" strike="noStrike">
+                <a:solidFill>
+                  <a:srgbClr val="000000"/>
+                </a:solidFill>
+                <a:latin typeface="Candara"/>
+                <a:ea typeface="함초롬돋움"/>
+              </a:rPr>
+              <a:t>"batch_size": 32,</a:t>
+            </a:r>
+            <a:r>
+              <a:rPr b="0" lang="en-US" sz="600" spc="-1" strike="noStrike">
+                <a:solidFill>
+                  <a:srgbClr val="000000"/>
+                </a:solidFill>
+                <a:latin typeface="Candara"/>
+                <a:ea typeface="함초롬돋움"/>
+              </a:rPr>
+              <a:t> "eval_batch_size": 32, "lr": 0.0003, "warmup_steps": 2000, "logdir": "./log", "num_epochs": 10, "evaldir": "./eval", "d_model": 512, "d_ff": 2048, </a:t>
+            </a:r>
+            <a:r>
+              <a:rPr b="1" lang="en-US" sz="600" spc="-1" strike="noStrike">
+                <a:solidFill>
+                  <a:srgbClr val="000000"/>
+                </a:solidFill>
+                <a:latin typeface="Candara"/>
+                <a:ea typeface="함초롬돋움"/>
+              </a:rPr>
+              <a:t>"num_blocks": 3, "num_heads": 4</a:t>
+            </a:r>
+            <a:r>
+              <a:rPr b="0" lang="en-US" sz="600" spc="-1" strike="noStrike">
+                <a:solidFill>
+                  <a:srgbClr val="000000"/>
+                </a:solidFill>
+                <a:latin typeface="Candara"/>
+                <a:ea typeface="함초롬돋움"/>
+              </a:rPr>
+              <a:t>, "maxlen1": 100, "maxlen2": 100, "dropout_rate": 0.3, "smoothing": 0.1,  "test_batch_size": 128, "testdir": "./test".</a:t>
+            </a:r>
+            <a:endParaRPr b="0" lang="en-US" sz="600" spc="-1" strike="noStrike">
+              <a:latin typeface="Arial"/>
+            </a:endParaRPr>
+          </a:p>
+          <a:p>
+            <a:pPr>
+              <a:lnSpc>
+                <a:spcPct val="120000"/>
+              </a:lnSpc>
+              <a:spcBef>
+                <a:spcPts val="320"/>
+              </a:spcBef>
+            </a:pPr>
+            <a:r>
+              <a:rPr b="1" lang="en-US" sz="600" spc="-1" strike="noStrike">
+                <a:solidFill>
+                  <a:srgbClr val="000000"/>
+                </a:solidFill>
+                <a:latin typeface="Candara"/>
+                <a:ea typeface="함초롬돋움"/>
+              </a:rPr>
+              <a:t>bleu_score_report:  BLEU = 16.09, 47.9/23.3/12.3/6.7 (BP=0.923, ration=0.926)</a:t>
+            </a:r>
+            <a:endParaRPr b="0" lang="en-US" sz="600" spc="-1" strike="noStrike">
+              <a:latin typeface="Arial"/>
+            </a:endParaRPr>
+          </a:p>
+          <a:p>
+            <a:pPr>
+              <a:lnSpc>
+                <a:spcPct val="120000"/>
+              </a:lnSpc>
+              <a:spcBef>
+                <a:spcPts val="320"/>
+              </a:spcBef>
+            </a:pPr>
+            <a:r>
+              <a:rPr b="0" lang="en-US" sz="600" spc="-1" strike="noStrike">
+                <a:solidFill>
+                  <a:srgbClr val="000000"/>
+                </a:solidFill>
+                <a:latin typeface="Candara"/>
+                <a:ea typeface="함초롬돋움"/>
+              </a:rPr>
+              <a:t>13. vocab_size": 1000,  </a:t>
+            </a:r>
+            <a:r>
+              <a:rPr b="1" lang="en-US" sz="600" spc="-1" strike="noStrike">
+                <a:solidFill>
+                  <a:srgbClr val="000000"/>
+                </a:solidFill>
+                <a:latin typeface="Candara"/>
+                <a:ea typeface="함초롬돋움"/>
+              </a:rPr>
+              <a:t>"batch_size": 32,</a:t>
+            </a:r>
+            <a:r>
+              <a:rPr b="0" lang="en-US" sz="600" spc="-1" strike="noStrike">
+                <a:solidFill>
+                  <a:srgbClr val="000000"/>
+                </a:solidFill>
+                <a:latin typeface="Candara"/>
+                <a:ea typeface="함초롬돋움"/>
+              </a:rPr>
+              <a:t> "eval_batch_size": 32, "lr": 0.0003, "warmup_steps": 2000, "logdir": "./log", "num_epochs": 10, "evaldir": "./eval", "d_model": 512, "d_ff": 2048, </a:t>
+            </a:r>
+            <a:r>
+              <a:rPr b="1" lang="en-US" sz="600" spc="-1" strike="noStrike">
+                <a:solidFill>
+                  <a:srgbClr val="000000"/>
+                </a:solidFill>
+                <a:latin typeface="Candara"/>
+                <a:ea typeface="함초롬돋움"/>
+              </a:rPr>
+              <a:t>"num_blocks": 4, "num_heads": 4</a:t>
+            </a:r>
+            <a:r>
+              <a:rPr b="0" lang="en-US" sz="600" spc="-1" strike="noStrike">
+                <a:solidFill>
+                  <a:srgbClr val="000000"/>
+                </a:solidFill>
+                <a:latin typeface="Candara"/>
+                <a:ea typeface="함초롬돋움"/>
+              </a:rPr>
+              <a:t>, "maxlen1": 100, "maxlen2": 100, "dropout_rate": 0.3, "smoothing": 0.1,  "test_batch_size": 128, "testdir": "./test".</a:t>
+            </a:r>
+            <a:endParaRPr b="0" lang="en-US" sz="600" spc="-1" strike="noStrike">
+              <a:latin typeface="Arial"/>
+            </a:endParaRPr>
+          </a:p>
+          <a:p>
+            <a:pPr>
+              <a:lnSpc>
+                <a:spcPct val="120000"/>
+              </a:lnSpc>
+              <a:spcBef>
+                <a:spcPts val="320"/>
+              </a:spcBef>
+            </a:pPr>
+            <a:r>
+              <a:rPr b="1" lang="en-US" sz="600" spc="-1" strike="noStrike">
+                <a:solidFill>
+                  <a:srgbClr val="000000"/>
+                </a:solidFill>
+                <a:latin typeface="Candara"/>
+                <a:ea typeface="함초롬돋움"/>
+              </a:rPr>
+              <a:t>bleu_score_report:  BLEU = 16.67, 48.6/24.2/13.0/7.2 (BP=0.916, ration=0.919)</a:t>
+            </a:r>
+            <a:endParaRPr b="0" lang="en-US" sz="600" spc="-1" strike="noStrike">
+              <a:latin typeface="Arial"/>
+            </a:endParaRPr>
+          </a:p>
+          <a:p>
+            <a:pPr>
+              <a:lnSpc>
+                <a:spcPct val="120000"/>
+              </a:lnSpc>
+              <a:spcBef>
+                <a:spcPts val="320"/>
+              </a:spcBef>
+            </a:pPr>
+            <a:r>
+              <a:rPr b="0" lang="en-US" sz="600" spc="-1" strike="noStrike">
+                <a:solidFill>
+                  <a:srgbClr val="000000"/>
+                </a:solidFill>
+                <a:latin typeface="Candara"/>
+                <a:ea typeface="함초롬돋움"/>
+              </a:rPr>
+              <a:t>14. vocab_size": 1000,  </a:t>
+            </a:r>
+            <a:r>
+              <a:rPr b="1" lang="en-US" sz="600" spc="-1" strike="noStrike">
+                <a:solidFill>
+                  <a:srgbClr val="000000"/>
+                </a:solidFill>
+                <a:latin typeface="Candara"/>
+                <a:ea typeface="함초롬돋움"/>
+              </a:rPr>
+              <a:t>"batch_size": 32,</a:t>
+            </a:r>
+            <a:r>
+              <a:rPr b="0" lang="en-US" sz="600" spc="-1" strike="noStrike">
+                <a:solidFill>
+                  <a:srgbClr val="000000"/>
+                </a:solidFill>
+                <a:latin typeface="Candara"/>
+                <a:ea typeface="함초롬돋움"/>
+              </a:rPr>
+              <a:t> "eval_batch_size": 32, "lr": 0.0003, "warmup_steps": 2000, "logdir": "./log", "num_epochs": 10, "evaldir": "./eval", "d_model": 512, "d_ff": 2048, </a:t>
+            </a:r>
+            <a:r>
+              <a:rPr b="1" lang="en-US" sz="600" spc="-1" strike="noStrike">
+                <a:solidFill>
+                  <a:srgbClr val="000000"/>
+                </a:solidFill>
+                <a:latin typeface="Candara"/>
+                <a:ea typeface="함초롬돋움"/>
+              </a:rPr>
+              <a:t>"num_blocks": 5, "num_heads": 4</a:t>
+            </a:r>
+            <a:r>
+              <a:rPr b="0" lang="en-US" sz="600" spc="-1" strike="noStrike">
+                <a:solidFill>
+                  <a:srgbClr val="000000"/>
+                </a:solidFill>
+                <a:latin typeface="Candara"/>
+                <a:ea typeface="함초롬돋움"/>
+              </a:rPr>
+              <a:t>,</a:t>
+            </a:r>
+            <a:r>
+              <a:rPr b="0" lang="en-US" sz="600" spc="-1" strike="noStrike">
+                <a:solidFill>
+                  <a:srgbClr val="000000"/>
+                </a:solidFill>
+                <a:latin typeface="Candara"/>
+                <a:ea typeface="함초롬돋움"/>
+              </a:rPr>
+              <a:t> "maxlen1": 100, "maxlen2": 100, "dropout_rate": 0.3, "smoothing": 0.1,  "test_batch_size": 128, "testdir": "./test".</a:t>
+            </a:r>
+            <a:endParaRPr b="0" lang="en-US" sz="600" spc="-1" strike="noStrike">
+              <a:latin typeface="Arial"/>
+            </a:endParaRPr>
+          </a:p>
+          <a:p>
+            <a:pPr>
+              <a:lnSpc>
+                <a:spcPct val="120000"/>
+              </a:lnSpc>
+              <a:spcBef>
+                <a:spcPts val="320"/>
+              </a:spcBef>
+            </a:pPr>
+            <a:endParaRPr b="0" lang="en-US" sz="600" spc="-1" strike="noStrike">
               <a:latin typeface="Arial"/>
             </a:endParaRPr>
           </a:p>
@@ -15552,8 +16703,8 @@
         </p:nvSpPr>
         <p:spPr>
           <a:xfrm>
-            <a:off x="144000" y="0"/>
-            <a:ext cx="8855280" cy="683280"/>
+            <a:off x="144000" y="-30240"/>
+            <a:ext cx="8854560" cy="316800"/>
           </a:xfrm>
           <a:prstGeom prst="rect">
             <a:avLst/>
@@ -15571,7 +16722,7 @@
         </p:style>
         <p:txBody>
           <a:bodyPr lIns="90000" rIns="90000" tIns="45000" bIns="45000" anchor="ctr">
-            <a:normAutofit fontScale="60000"/>
+            <a:normAutofit/>
           </a:bodyPr>
           <a:p>
             <a:pPr>
@@ -15580,7 +16731,7 @@
               </a:lnSpc>
             </a:pPr>
             <a:r>
-              <a:rPr b="1" lang="en-US" sz="2800" spc="-1" strike="noStrike">
+              <a:rPr b="1" lang="en-US" sz="1200" spc="-1" strike="noStrike">
                 <a:solidFill>
                   <a:srgbClr val="ff0000"/>
                 </a:solidFill>
@@ -15590,7 +16741,7 @@
               <a:t>(Submission) </a:t>
             </a:r>
             <a:r>
-              <a:rPr b="1" lang="en-US" sz="2800" spc="-1" strike="noStrike">
+              <a:rPr b="1" lang="en-US" sz="1200" spc="-1" strike="noStrike">
                 <a:solidFill>
                   <a:srgbClr val="808080"/>
                 </a:solidFill>
@@ -15599,221 +16750,7 @@
               </a:rPr>
               <a:t>Assignment 3-5 BLEU SCORE REPORT</a:t>
             </a:r>
-            <a:endParaRPr b="0" lang="en-US" sz="2800" spc="-1" strike="noStrike">
-              <a:latin typeface="Arial"/>
-            </a:endParaRPr>
-          </a:p>
-        </p:txBody>
-      </p:sp>
-      <p:sp>
-        <p:nvSpPr>
-          <p:cNvPr id="190" name="CustomShape 4"/>
-          <p:cNvSpPr/>
-          <p:nvPr/>
-        </p:nvSpPr>
-        <p:spPr>
-          <a:xfrm>
-            <a:off x="342000" y="1772640"/>
-            <a:ext cx="8459280" cy="4753440"/>
-          </a:xfrm>
-          <a:prstGeom prst="rect">
-            <a:avLst/>
-          </a:prstGeom>
-          <a:noFill/>
-          <a:ln w="38160">
-            <a:solidFill>
-              <a:srgbClr val="ff0000"/>
-            </a:solidFill>
-            <a:round/>
-          </a:ln>
-        </p:spPr>
-        <p:style>
-          <a:lnRef idx="0"/>
-          <a:fillRef idx="0"/>
-          <a:effectRef idx="0"/>
-          <a:fontRef idx="minor"/>
-        </p:style>
-        <p:txBody>
-          <a:bodyPr lIns="90000" rIns="90000" tIns="45000" bIns="45000">
-            <a:spAutoFit/>
-          </a:bodyPr>
-          <a:p>
-            <a:pPr algn="ctr">
-              <a:lnSpc>
-                <a:spcPct val="100000"/>
-              </a:lnSpc>
-            </a:pPr>
-            <a:endParaRPr b="0" lang="en-US" sz="1800" spc="-1" strike="noStrike">
-              <a:latin typeface="Arial"/>
-            </a:endParaRPr>
-          </a:p>
-          <a:p>
-            <a:pPr algn="ctr">
-              <a:lnSpc>
-                <a:spcPct val="100000"/>
-              </a:lnSpc>
-            </a:pPr>
-            <a:endParaRPr b="0" lang="en-US" sz="1800" spc="-1" strike="noStrike">
-              <a:latin typeface="Arial"/>
-            </a:endParaRPr>
-          </a:p>
-          <a:p>
-            <a:pPr algn="ctr">
-              <a:lnSpc>
-                <a:spcPct val="100000"/>
-              </a:lnSpc>
-            </a:pPr>
-            <a:endParaRPr b="0" lang="en-US" sz="1800" spc="-1" strike="noStrike">
-              <a:latin typeface="Arial"/>
-            </a:endParaRPr>
-          </a:p>
-          <a:p>
-            <a:pPr algn="ctr">
-              <a:lnSpc>
-                <a:spcPct val="100000"/>
-              </a:lnSpc>
-            </a:pPr>
-            <a:endParaRPr b="0" lang="en-US" sz="1800" spc="-1" strike="noStrike">
-              <a:latin typeface="Arial"/>
-            </a:endParaRPr>
-          </a:p>
-          <a:p>
-            <a:pPr algn="ctr">
-              <a:lnSpc>
-                <a:spcPct val="100000"/>
-              </a:lnSpc>
-            </a:pPr>
-            <a:endParaRPr b="0" lang="en-US" sz="1800" spc="-1" strike="noStrike">
-              <a:latin typeface="Arial"/>
-            </a:endParaRPr>
-          </a:p>
-          <a:p>
-            <a:pPr algn="ctr">
-              <a:lnSpc>
-                <a:spcPct val="100000"/>
-              </a:lnSpc>
-            </a:pPr>
-            <a:endParaRPr b="0" lang="en-US" sz="1800" spc="-1" strike="noStrike">
-              <a:latin typeface="Arial"/>
-            </a:endParaRPr>
-          </a:p>
-          <a:p>
-            <a:pPr algn="ctr">
-              <a:lnSpc>
-                <a:spcPct val="100000"/>
-              </a:lnSpc>
-            </a:pPr>
-            <a:endParaRPr b="0" lang="en-US" sz="1800" spc="-1" strike="noStrike">
-              <a:latin typeface="Arial"/>
-            </a:endParaRPr>
-          </a:p>
-          <a:p>
-            <a:pPr algn="ctr">
-              <a:lnSpc>
-                <a:spcPct val="100000"/>
-              </a:lnSpc>
-            </a:pPr>
-            <a:endParaRPr b="0" lang="en-US" sz="1800" spc="-1" strike="noStrike">
-              <a:latin typeface="Arial"/>
-            </a:endParaRPr>
-          </a:p>
-          <a:p>
-            <a:pPr algn="ctr">
-              <a:lnSpc>
-                <a:spcPct val="100000"/>
-              </a:lnSpc>
-            </a:pPr>
-            <a:r>
-              <a:rPr b="1" lang="en-US" sz="1800" spc="-1" strike="noStrike">
-                <a:solidFill>
-                  <a:srgbClr val="a6a6a6"/>
-                </a:solidFill>
-                <a:latin typeface="맑은 고딕"/>
-                <a:ea typeface="DejaVu Sans"/>
-              </a:rPr>
-              <a:t>REPORT HERE (DELETE THIS BOX)</a:t>
-            </a:r>
-            <a:endParaRPr b="0" lang="en-US" sz="1800" spc="-1" strike="noStrike">
-              <a:latin typeface="Arial"/>
-            </a:endParaRPr>
-          </a:p>
-          <a:p>
-            <a:pPr algn="ctr">
-              <a:lnSpc>
-                <a:spcPct val="100000"/>
-              </a:lnSpc>
-            </a:pPr>
-            <a:endParaRPr b="0" lang="en-US" sz="1800" spc="-1" strike="noStrike">
-              <a:latin typeface="Arial"/>
-            </a:endParaRPr>
-          </a:p>
-          <a:p>
-            <a:pPr algn="ctr">
-              <a:lnSpc>
-                <a:spcPct val="100000"/>
-              </a:lnSpc>
-            </a:pPr>
-            <a:endParaRPr b="0" lang="en-US" sz="1800" spc="-1" strike="noStrike">
-              <a:latin typeface="Arial"/>
-            </a:endParaRPr>
-          </a:p>
-          <a:p>
-            <a:pPr algn="ctr">
-              <a:lnSpc>
-                <a:spcPct val="100000"/>
-              </a:lnSpc>
-            </a:pPr>
-            <a:endParaRPr b="0" lang="en-US" sz="1800" spc="-1" strike="noStrike">
-              <a:latin typeface="Arial"/>
-            </a:endParaRPr>
-          </a:p>
-          <a:p>
-            <a:pPr algn="ctr">
-              <a:lnSpc>
-                <a:spcPct val="100000"/>
-              </a:lnSpc>
-            </a:pPr>
-            <a:endParaRPr b="0" lang="en-US" sz="1800" spc="-1" strike="noStrike">
-              <a:latin typeface="Arial"/>
-            </a:endParaRPr>
-          </a:p>
-          <a:p>
-            <a:pPr algn="ctr">
-              <a:lnSpc>
-                <a:spcPct val="100000"/>
-              </a:lnSpc>
-            </a:pPr>
-            <a:endParaRPr b="0" lang="en-US" sz="1800" spc="-1" strike="noStrike">
-              <a:latin typeface="Arial"/>
-            </a:endParaRPr>
-          </a:p>
-          <a:p>
-            <a:pPr algn="ctr">
-              <a:lnSpc>
-                <a:spcPct val="100000"/>
-              </a:lnSpc>
-            </a:pPr>
-            <a:endParaRPr b="0" lang="en-US" sz="1800" spc="-1" strike="noStrike">
-              <a:latin typeface="Arial"/>
-            </a:endParaRPr>
-          </a:p>
-          <a:p>
-            <a:pPr algn="ctr">
-              <a:lnSpc>
-                <a:spcPct val="100000"/>
-              </a:lnSpc>
-            </a:pPr>
-            <a:endParaRPr b="0" lang="en-US" sz="1800" spc="-1" strike="noStrike">
-              <a:latin typeface="Arial"/>
-            </a:endParaRPr>
-          </a:p>
-          <a:p>
-            <a:pPr algn="ctr">
-              <a:lnSpc>
-                <a:spcPct val="100000"/>
-              </a:lnSpc>
-            </a:pPr>
-            <a:endParaRPr b="0" lang="en-US" sz="1800" spc="-1" strike="noStrike">
+            <a:endParaRPr b="0" lang="en-US" sz="1200" spc="-1" strike="noStrike">
               <a:latin typeface="Arial"/>
             </a:endParaRPr>
           </a:p>
@@ -15858,7 +16795,7 @@
         <p:spPr>
           <a:xfrm>
             <a:off x="342000" y="980640"/>
-            <a:ext cx="8459280" cy="5111280"/>
+            <a:ext cx="8458560" cy="5110560"/>
           </a:xfrm>
           <a:prstGeom prst="rect">
             <a:avLst/>
@@ -15884,7 +16821,7 @@
             <a:noAutofit/>
           </a:bodyPr>
           <a:p>
-            <a:pPr marL="343080" indent="-342360">
+            <a:pPr marL="343080" indent="-341640">
               <a:lnSpc>
                 <a:spcPct val="120000"/>
               </a:lnSpc>
@@ -15899,6 +16836,9 @@
             </a:pPr>
             <a:r>
               <a:rPr b="0" lang="en-US" sz="2200" spc="-1" strike="noStrike">
+                <a:solidFill>
+                  <a:srgbClr val="000000"/>
+                </a:solidFill>
                 <a:latin typeface="Candara"/>
                 <a:ea typeface="함초롬돋움"/>
               </a:rPr>
@@ -15919,7 +16859,7 @@
         <p:spPr>
           <a:xfrm>
             <a:off x="144000" y="0"/>
-            <a:ext cx="8855280" cy="683280"/>
+            <a:ext cx="8854560" cy="682560"/>
           </a:xfrm>
           <a:prstGeom prst="rect">
             <a:avLst/>
@@ -15974,7 +16914,7 @@
         <p:spPr>
           <a:xfrm>
             <a:off x="1547640" y="1556640"/>
-            <a:ext cx="6299640" cy="2527200"/>
+            <a:ext cx="6298920" cy="2526480"/>
           </a:xfrm>
           <a:prstGeom prst="rect">
             <a:avLst/>
@@ -16027,7 +16967,7 @@
         <p:spPr>
           <a:xfrm>
             <a:off x="341280" y="1340640"/>
-            <a:ext cx="8460720" cy="4566960"/>
+            <a:ext cx="8460000" cy="4566240"/>
           </a:xfrm>
           <a:prstGeom prst="rect">
             <a:avLst/>
@@ -16046,7 +16986,7 @@
         <p:spPr>
           <a:xfrm>
             <a:off x="144000" y="0"/>
-            <a:ext cx="8855280" cy="683280"/>
+            <a:ext cx="8854560" cy="682560"/>
           </a:xfrm>
           <a:prstGeom prst="rect">
             <a:avLst/>
@@ -16127,7 +17067,7 @@
         <p:spPr>
           <a:xfrm>
             <a:off x="342000" y="980640"/>
-            <a:ext cx="8459280" cy="5111280"/>
+            <a:ext cx="8458560" cy="5110560"/>
           </a:xfrm>
           <a:prstGeom prst="rect">
             <a:avLst/>
@@ -16148,7 +17088,7 @@
             <a:noAutofit/>
           </a:bodyPr>
           <a:p>
-            <a:pPr marL="343080" indent="-342360">
+            <a:pPr marL="343080" indent="-341640">
               <a:lnSpc>
                 <a:spcPct val="120000"/>
               </a:lnSpc>
@@ -16176,7 +17116,7 @@
             </a:endParaRPr>
           </a:p>
           <a:p>
-            <a:pPr lvl="1" marL="743040" indent="-285120">
+            <a:pPr lvl="1" marL="743040" indent="-284400">
               <a:lnSpc>
                 <a:spcPct val="120000"/>
               </a:lnSpc>
@@ -16204,7 +17144,7 @@
             </a:endParaRPr>
           </a:p>
           <a:p>
-            <a:pPr lvl="1" marL="743040" indent="-285120">
+            <a:pPr lvl="1" marL="743040" indent="-284400">
               <a:lnSpc>
                 <a:spcPct val="120000"/>
               </a:lnSpc>
@@ -16242,7 +17182,7 @@
         <p:spPr>
           <a:xfrm>
             <a:off x="144000" y="0"/>
-            <a:ext cx="8855280" cy="683280"/>
+            <a:ext cx="8854560" cy="682560"/>
           </a:xfrm>
           <a:prstGeom prst="rect">
             <a:avLst/>
@@ -16297,7 +17237,7 @@
         <p:spPr>
           <a:xfrm>
             <a:off x="866880" y="2565000"/>
-            <a:ext cx="7409880" cy="2990160"/>
+            <a:ext cx="7409160" cy="2989440"/>
           </a:xfrm>
           <a:prstGeom prst="rect">
             <a:avLst/>
@@ -16346,7 +17286,7 @@
         <p:spPr>
           <a:xfrm>
             <a:off x="342000" y="980640"/>
-            <a:ext cx="8459280" cy="5616000"/>
+            <a:ext cx="8458560" cy="5615280"/>
           </a:xfrm>
           <a:prstGeom prst="rect">
             <a:avLst/>
@@ -16367,7 +17307,7 @@
             <a:normAutofit fontScale="94000"/>
           </a:bodyPr>
           <a:p>
-            <a:pPr marL="343080" indent="-342360">
+            <a:pPr marL="343080" indent="-341640">
               <a:lnSpc>
                 <a:spcPct val="120000"/>
               </a:lnSpc>
@@ -16395,7 +17335,7 @@
             </a:endParaRPr>
           </a:p>
           <a:p>
-            <a:pPr lvl="1" marL="743040" indent="-285120">
+            <a:pPr lvl="1" marL="743040" indent="-284400">
               <a:lnSpc>
                 <a:spcPct val="120000"/>
               </a:lnSpc>
@@ -16423,7 +17363,7 @@
             </a:endParaRPr>
           </a:p>
           <a:p>
-            <a:pPr lvl="2" marL="1143000" indent="-227880">
+            <a:pPr lvl="2" marL="1143000" indent="-227160">
               <a:lnSpc>
                 <a:spcPct val="120000"/>
               </a:lnSpc>
@@ -16511,7 +17451,7 @@
             </a:endParaRPr>
           </a:p>
           <a:p>
-            <a:pPr lvl="1" marL="743040" indent="-285120">
+            <a:pPr lvl="1" marL="743040" indent="-284400">
               <a:lnSpc>
                 <a:spcPct val="120000"/>
               </a:lnSpc>
@@ -16539,7 +17479,7 @@
             </a:endParaRPr>
           </a:p>
           <a:p>
-            <a:pPr lvl="1" marL="743040" indent="-285120">
+            <a:pPr lvl="1" marL="743040" indent="-284400">
               <a:lnSpc>
                 <a:spcPct val="120000"/>
               </a:lnSpc>
@@ -16577,7 +17517,7 @@
             </a:endParaRPr>
           </a:p>
           <a:p>
-            <a:pPr lvl="1" marL="743040" indent="-285120">
+            <a:pPr lvl="1" marL="743040" indent="-284400">
               <a:lnSpc>
                 <a:spcPct val="120000"/>
               </a:lnSpc>
@@ -16605,7 +17545,7 @@
             </a:endParaRPr>
           </a:p>
           <a:p>
-            <a:pPr lvl="1" marL="743040" indent="-285120">
+            <a:pPr lvl="1" marL="743040" indent="-284400">
               <a:lnSpc>
                 <a:spcPct val="120000"/>
               </a:lnSpc>
@@ -16633,7 +17573,7 @@
             </a:endParaRPr>
           </a:p>
           <a:p>
-            <a:pPr lvl="2" marL="1143000" indent="-227880">
+            <a:pPr lvl="2" marL="1143000" indent="-227160">
               <a:lnSpc>
                 <a:spcPct val="120000"/>
               </a:lnSpc>
@@ -16661,7 +17601,7 @@
             </a:endParaRPr>
           </a:p>
           <a:p>
-            <a:pPr lvl="2" marL="1143000" indent="-227880">
+            <a:pPr lvl="2" marL="1143000" indent="-227160">
               <a:lnSpc>
                 <a:spcPct val="120000"/>
               </a:lnSpc>
@@ -16689,7 +17629,7 @@
             </a:endParaRPr>
           </a:p>
           <a:p>
-            <a:pPr lvl="3" marL="1600200" indent="-227880">
+            <a:pPr lvl="3" marL="1600200" indent="-227160">
               <a:lnSpc>
                 <a:spcPct val="120000"/>
               </a:lnSpc>
@@ -16727,7 +17667,7 @@
         <p:spPr>
           <a:xfrm>
             <a:off x="144000" y="0"/>
-            <a:ext cx="8855280" cy="683280"/>
+            <a:ext cx="8854560" cy="682560"/>
           </a:xfrm>
           <a:prstGeom prst="rect">
             <a:avLst/>
@@ -16778,9 +17718,9 @@
         <p:grpSpPr>
           <a:xfrm>
             <a:off x="1763640" y="2205000"/>
-            <a:ext cx="5333400" cy="1223280"/>
+            <a:ext cx="5332680" cy="1222560"/>
             <a:chOff x="1763640" y="2205000"/>
-            <a:chExt cx="5333400" cy="1223280"/>
+            <a:chExt cx="5332680" cy="1222560"/>
           </a:xfrm>
         </p:grpSpPr>
         <p:pic>
@@ -16796,7 +17736,7 @@
           <p:spPr>
             <a:xfrm>
               <a:off x="1763640" y="2205000"/>
-              <a:ext cx="4158000" cy="1223280"/>
+              <a:ext cx="4157280" cy="1222560"/>
             </a:xfrm>
             <a:prstGeom prst="rect">
               <a:avLst/>
@@ -16815,7 +17755,7 @@
           <p:spPr>
             <a:xfrm>
               <a:off x="5668560" y="2385000"/>
-              <a:ext cx="608040" cy="431280"/>
+              <a:ext cx="607320" cy="430560"/>
             </a:xfrm>
             <a:prstGeom prst="rect">
               <a:avLst/>
@@ -16899,7 +17839,7 @@
           <p:spPr>
             <a:xfrm>
               <a:off x="6489000" y="2385000"/>
-              <a:ext cx="608040" cy="431280"/>
+              <a:ext cx="607320" cy="430560"/>
             </a:xfrm>
             <a:prstGeom prst="rect">
               <a:avLst/>
@@ -17001,7 +17941,7 @@
           <p:spPr>
             <a:xfrm>
               <a:off x="6277320" y="2601000"/>
-              <a:ext cx="210960" cy="360"/>
+              <a:ext cx="210240" cy="360"/>
             </a:xfrm>
             <a:custGeom>
               <a:avLst/>
@@ -17084,7 +18024,7 @@
         <p:spPr>
           <a:xfrm>
             <a:off x="3465360" y="980280"/>
-            <a:ext cx="5362920" cy="5616000"/>
+            <a:ext cx="5362200" cy="5615280"/>
           </a:xfrm>
           <a:prstGeom prst="rect">
             <a:avLst/>
@@ -17102,10 +18042,10 @@
         </p:style>
         <p:txBody>
           <a:bodyPr lIns="90000" rIns="90000" tIns="45000" bIns="45000">
-            <a:normAutofit fontScale="86000"/>
+            <a:normAutofit fontScale="88000"/>
           </a:bodyPr>
           <a:p>
-            <a:pPr marL="343080" indent="-342360">
+            <a:pPr marL="343080" indent="-341640">
               <a:lnSpc>
                 <a:spcPct val="120000"/>
               </a:lnSpc>
@@ -17133,7 +18073,7 @@
             </a:endParaRPr>
           </a:p>
           <a:p>
-            <a:pPr lvl="1" marL="743040" indent="-285120">
+            <a:pPr lvl="1" marL="743040" indent="-284400">
               <a:lnSpc>
                 <a:spcPct val="120000"/>
               </a:lnSpc>
@@ -17171,7 +18111,7 @@
             </a:endParaRPr>
           </a:p>
           <a:p>
-            <a:pPr marL="343080" indent="-342360">
+            <a:pPr marL="343080" indent="-341640">
               <a:lnSpc>
                 <a:spcPct val="120000"/>
               </a:lnSpc>
@@ -17238,7 +18178,7 @@
             </a:endParaRPr>
           </a:p>
           <a:p>
-            <a:pPr lvl="1" marL="743040" indent="-285120">
+            <a:pPr lvl="1" marL="743040" indent="-284400">
               <a:lnSpc>
                 <a:spcPct val="120000"/>
               </a:lnSpc>
@@ -17266,7 +18206,7 @@
             </a:endParaRPr>
           </a:p>
           <a:p>
-            <a:pPr lvl="1" marL="743040" indent="-285120">
+            <a:pPr lvl="1" marL="743040" indent="-284400">
               <a:lnSpc>
                 <a:spcPct val="120000"/>
               </a:lnSpc>
@@ -17304,7 +18244,7 @@
             </a:endParaRPr>
           </a:p>
           <a:p>
-            <a:pPr marL="343080" indent="-342360">
+            <a:pPr marL="343080" indent="-341640">
               <a:lnSpc>
                 <a:spcPct val="120000"/>
               </a:lnSpc>
@@ -17332,7 +18272,7 @@
             </a:endParaRPr>
           </a:p>
           <a:p>
-            <a:pPr lvl="1" marL="743040" indent="-285120">
+            <a:pPr lvl="1" marL="743040" indent="-284400">
               <a:lnSpc>
                 <a:spcPct val="120000"/>
               </a:lnSpc>
@@ -17450,7 +18390,7 @@
             </a:endParaRPr>
           </a:p>
           <a:p>
-            <a:pPr lvl="1" marL="743040" indent="-285120">
+            <a:pPr lvl="1" marL="743040" indent="-284400">
               <a:lnSpc>
                 <a:spcPct val="120000"/>
               </a:lnSpc>
@@ -17488,7 +18428,7 @@
             </a:endParaRPr>
           </a:p>
           <a:p>
-            <a:pPr lvl="1" marL="743040" indent="-285120">
+            <a:pPr lvl="1" marL="743040" indent="-284400">
               <a:lnSpc>
                 <a:spcPct val="120000"/>
               </a:lnSpc>
@@ -17559,7 +18499,7 @@
         <p:spPr>
           <a:xfrm>
             <a:off x="144000" y="0"/>
-            <a:ext cx="8855280" cy="683280"/>
+            <a:ext cx="8854560" cy="682560"/>
           </a:xfrm>
           <a:prstGeom prst="rect">
             <a:avLst/>
@@ -17614,7 +18554,7 @@
         <p:spPr>
           <a:xfrm>
             <a:off x="395640" y="908640"/>
-            <a:ext cx="2885400" cy="3104280"/>
+            <a:ext cx="2884680" cy="3103560"/>
           </a:xfrm>
           <a:prstGeom prst="rect">
             <a:avLst/>
@@ -17637,7 +18577,7 @@
         <p:spPr>
           <a:xfrm>
             <a:off x="4297680" y="5445360"/>
-            <a:ext cx="3418920" cy="189720"/>
+            <a:ext cx="3418200" cy="189000"/>
           </a:xfrm>
           <a:prstGeom prst="rect">
             <a:avLst/>
@@ -17660,7 +18600,7 @@
         <p:spPr>
           <a:xfrm>
             <a:off x="4263120" y="2565000"/>
-            <a:ext cx="3418920" cy="894600"/>
+            <a:ext cx="3418200" cy="893880"/>
           </a:xfrm>
           <a:prstGeom prst="rect">
             <a:avLst/>
@@ -17709,7 +18649,7 @@
         <p:spPr>
           <a:xfrm>
             <a:off x="342000" y="980640"/>
-            <a:ext cx="8459280" cy="5111280"/>
+            <a:ext cx="8458560" cy="5110560"/>
           </a:xfrm>
           <a:prstGeom prst="rect">
             <a:avLst/>
@@ -17730,7 +18670,7 @@
             <a:noAutofit/>
           </a:bodyPr>
           <a:p>
-            <a:pPr marL="343080" indent="-342360">
+            <a:pPr marL="343080" indent="-341640">
               <a:lnSpc>
                 <a:spcPct val="120000"/>
               </a:lnSpc>
@@ -17758,7 +18698,7 @@
             </a:endParaRPr>
           </a:p>
           <a:p>
-            <a:pPr lvl="1" marL="743040" indent="-285120">
+            <a:pPr lvl="1" marL="743040" indent="-284400">
               <a:lnSpc>
                 <a:spcPct val="120000"/>
               </a:lnSpc>
@@ -17786,7 +18726,7 @@
             </a:endParaRPr>
           </a:p>
           <a:p>
-            <a:pPr lvl="1" marL="743040" indent="-285120">
+            <a:pPr lvl="1" marL="743040" indent="-284400">
               <a:lnSpc>
                 <a:spcPct val="120000"/>
               </a:lnSpc>
@@ -17814,7 +18754,7 @@
             </a:endParaRPr>
           </a:p>
           <a:p>
-            <a:pPr lvl="2" marL="1143000" indent="-227880">
+            <a:pPr lvl="2" marL="1143000" indent="-227160">
               <a:lnSpc>
                 <a:spcPct val="120000"/>
               </a:lnSpc>
@@ -17842,7 +18782,7 @@
             </a:endParaRPr>
           </a:p>
           <a:p>
-            <a:pPr lvl="2" marL="1143000" indent="-227880">
+            <a:pPr lvl="2" marL="1143000" indent="-227160">
               <a:lnSpc>
                 <a:spcPct val="120000"/>
               </a:lnSpc>
@@ -17870,7 +18810,7 @@
             </a:endParaRPr>
           </a:p>
           <a:p>
-            <a:pPr lvl="1" marL="743040" indent="-285120">
+            <a:pPr lvl="1" marL="743040" indent="-284400">
               <a:lnSpc>
                 <a:spcPct val="120000"/>
               </a:lnSpc>
@@ -17898,7 +18838,7 @@
             </a:endParaRPr>
           </a:p>
           <a:p>
-            <a:pPr lvl="2" marL="1143000" indent="-227880">
+            <a:pPr lvl="2" marL="1143000" indent="-227160">
               <a:lnSpc>
                 <a:spcPct val="120000"/>
               </a:lnSpc>
@@ -17926,7 +18866,7 @@
             </a:endParaRPr>
           </a:p>
           <a:p>
-            <a:pPr lvl="1" marL="743040" indent="-285120">
+            <a:pPr lvl="1" marL="743040" indent="-284400">
               <a:lnSpc>
                 <a:spcPct val="120000"/>
               </a:lnSpc>
@@ -17954,7 +18894,7 @@
             </a:endParaRPr>
           </a:p>
           <a:p>
-            <a:pPr lvl="1" marL="743040" indent="-285120">
+            <a:pPr lvl="1" marL="743040" indent="-284400">
               <a:lnSpc>
                 <a:spcPct val="120000"/>
               </a:lnSpc>
@@ -17992,7 +18932,7 @@
         <p:spPr>
           <a:xfrm>
             <a:off x="144000" y="0"/>
-            <a:ext cx="8855280" cy="683280"/>
+            <a:ext cx="8854560" cy="682560"/>
           </a:xfrm>
           <a:prstGeom prst="rect">
             <a:avLst/>
@@ -18043,7 +18983,7 @@
         <p:spPr>
           <a:xfrm>
             <a:off x="7362000" y="6453360"/>
-            <a:ext cx="1637280" cy="242280"/>
+            <a:ext cx="1636560" cy="394200"/>
           </a:xfrm>
           <a:prstGeom prst="rect">
             <a:avLst/>
@@ -18098,7 +19038,7 @@
         <p:spPr>
           <a:xfrm>
             <a:off x="1543680" y="4953240"/>
-            <a:ext cx="2106360" cy="1347480"/>
+            <a:ext cx="2105640" cy="1346760"/>
           </a:xfrm>
           <a:prstGeom prst="rect">
             <a:avLst/>
@@ -18121,7 +19061,7 @@
         <p:spPr>
           <a:xfrm>
             <a:off x="4788000" y="4981320"/>
-            <a:ext cx="1950840" cy="1290960"/>
+            <a:ext cx="1950120" cy="1290240"/>
           </a:xfrm>
           <a:prstGeom prst="rect">
             <a:avLst/>
@@ -18140,7 +19080,7 @@
         <p:spPr>
           <a:xfrm>
             <a:off x="1835640" y="4559760"/>
-            <a:ext cx="1293480" cy="638280"/>
+            <a:ext cx="1292760" cy="638280"/>
           </a:xfrm>
           <a:prstGeom prst="rect">
             <a:avLst/>
@@ -18191,7 +19131,7 @@
         <p:spPr>
           <a:xfrm>
             <a:off x="5116680" y="4559760"/>
-            <a:ext cx="1542600" cy="638280"/>
+            <a:ext cx="1541880" cy="638280"/>
           </a:xfrm>
           <a:prstGeom prst="rect">
             <a:avLst/>
